--- a/documents/일정표(20170217).pptx
+++ b/documents/일정표(20170217).pptx
@@ -116,7 +116,7 @@
   </p:defaultTextStyle>
   <p:extLst>
     <p:ext uri="{EFAFB233-063F-42B5-8137-9DF3F51BA10A}">
-      <p15:sldGuideLst xmlns:p15="http://schemas.microsoft.com/office/powerpoint/2012/main">
+      <p15:sldGuideLst xmlns:p15="http://schemas.microsoft.com/office/powerpoint/2012/main" xmlns="">
         <p15:guide id="1" orient="horz" pos="2160" userDrawn="1">
           <p15:clr>
             <a:srgbClr val="A4A3A4"/>
@@ -130,7 +130,7 @@
       </p15:sldGuideLst>
     </p:ext>
     <p:ext uri="{2D200454-40CA-4A62-9FC3-DE9A4176ACB9}">
-      <p15:notesGuideLst xmlns:p15="http://schemas.microsoft.com/office/powerpoint/2012/main">
+      <p15:notesGuideLst xmlns:p15="http://schemas.microsoft.com/office/powerpoint/2012/main" xmlns="">
         <p15:guide id="1" orient="horz" pos="2880" userDrawn="1">
           <p15:clr>
             <a:srgbClr val="A4A3A4"/>
@@ -239,7 +239,8 @@
           <a:p>
             <a:fld id="{C0784820-E37F-9245-812A-8C2941EBBF6C}" type="datetimeFigureOut">
               <a:rPr kumimoji="1" lang="ko-KR" altLang="en-US" smtClean="0"/>
-              <a:t>2017-02-17</a:t>
+              <a:pPr/>
+              <a:t>2017-02-22</a:t>
             </a:fld>
             <a:endParaRPr kumimoji="1" lang="ko-KR" altLang="en-US"/>
           </a:p>
@@ -305,6 +306,7 @@
           <a:p>
             <a:fld id="{2B8FFB26-D7FB-1E45-8948-B5EE06A03473}" type="slidenum">
               <a:rPr kumimoji="1" lang="ko-KR" altLang="en-US" smtClean="0"/>
+              <a:pPr/>
               <a:t>‹#›</a:t>
             </a:fld>
             <a:endParaRPr kumimoji="1" lang="ko-KR" altLang="en-US"/>
@@ -314,7 +316,7 @@
     </p:spTree>
     <p:extLst>
       <p:ext uri="{BB962C8B-B14F-4D97-AF65-F5344CB8AC3E}">
-        <p14:creationId xmlns:p14="http://schemas.microsoft.com/office/powerpoint/2010/main" val="1346057156"/>
+        <p14:creationId xmlns:p14="http://schemas.microsoft.com/office/powerpoint/2010/main" xmlns="" val="1346057156"/>
       </p:ext>
     </p:extLst>
   </p:cSld>
@@ -404,7 +406,8 @@
           <a:p>
             <a:fld id="{ABD44343-005F-DA4E-8CE2-D84E76ABEFED}" type="datetimeFigureOut">
               <a:rPr kumimoji="1" lang="ko-KR" altLang="en-US" smtClean="0"/>
-              <a:t>2017-02-17</a:t>
+              <a:pPr/>
+              <a:t>2017-02-22</a:t>
             </a:fld>
             <a:endParaRPr kumimoji="1" lang="ko-KR" altLang="en-US"/>
           </a:p>
@@ -562,6 +565,7 @@
           <a:p>
             <a:fld id="{D39C498E-0BA9-4748-85A3-59023D192E99}" type="slidenum">
               <a:rPr kumimoji="1" lang="ko-KR" altLang="en-US" smtClean="0"/>
+              <a:pPr/>
               <a:t>‹#›</a:t>
             </a:fld>
             <a:endParaRPr kumimoji="1" lang="ko-KR" altLang="en-US"/>
@@ -571,7 +575,7 @@
     </p:spTree>
     <p:extLst>
       <p:ext uri="{BB962C8B-B14F-4D97-AF65-F5344CB8AC3E}">
-        <p14:creationId xmlns:p14="http://schemas.microsoft.com/office/powerpoint/2010/main" val="1183702078"/>
+        <p14:creationId xmlns:p14="http://schemas.microsoft.com/office/powerpoint/2010/main" xmlns="" val="1183702078"/>
       </p:ext>
     </p:extLst>
   </p:cSld>
@@ -736,6 +740,7 @@
           <a:p>
             <a:fld id="{D39C498E-0BA9-4748-85A3-59023D192E99}" type="slidenum">
               <a:rPr kumimoji="1" lang="ko-KR" altLang="en-US" smtClean="0"/>
+              <a:pPr/>
               <a:t>2</a:t>
             </a:fld>
             <a:endParaRPr kumimoji="1" lang="ko-KR" altLang="en-US"/>
@@ -745,7 +750,7 @@
     </p:spTree>
     <p:extLst>
       <p:ext uri="{BB962C8B-B14F-4D97-AF65-F5344CB8AC3E}">
-        <p14:creationId xmlns:p14="http://schemas.microsoft.com/office/powerpoint/2010/main" val="704854212"/>
+        <p14:creationId xmlns:p14="http://schemas.microsoft.com/office/powerpoint/2010/main" xmlns="" val="704854212"/>
       </p:ext>
     </p:extLst>
   </p:cSld>
@@ -820,6 +825,7 @@
           <a:p>
             <a:fld id="{D39C498E-0BA9-4748-85A3-59023D192E99}" type="slidenum">
               <a:rPr kumimoji="1" lang="ko-KR" altLang="en-US" smtClean="0"/>
+              <a:pPr/>
               <a:t>5</a:t>
             </a:fld>
             <a:endParaRPr kumimoji="1" lang="ko-KR" altLang="en-US"/>
@@ -829,7 +835,7 @@
     </p:spTree>
     <p:extLst>
       <p:ext uri="{BB962C8B-B14F-4D97-AF65-F5344CB8AC3E}">
-        <p14:creationId xmlns:p14="http://schemas.microsoft.com/office/powerpoint/2010/main" val="3731061897"/>
+        <p14:creationId xmlns:p14="http://schemas.microsoft.com/office/powerpoint/2010/main" xmlns="" val="3731061897"/>
       </p:ext>
     </p:extLst>
   </p:cSld>
@@ -968,7 +974,8 @@
           <a:p>
             <a:fld id="{9A7BEA77-FCFD-E34F-8955-12C1E82451E3}" type="datetimeFigureOut">
               <a:rPr kumimoji="1" lang="ko-KR" altLang="en-US" smtClean="0"/>
-              <a:t>2017-02-17</a:t>
+              <a:pPr/>
+              <a:t>2017-02-22</a:t>
             </a:fld>
             <a:endParaRPr kumimoji="1" lang="ko-KR" altLang="en-US"/>
           </a:p>
@@ -1010,6 +1017,7 @@
           <a:p>
             <a:fld id="{70884A4D-7F54-BA49-81E9-95E3ECF5AD17}" type="slidenum">
               <a:rPr kumimoji="1" lang="ko-KR" altLang="en-US" smtClean="0"/>
+              <a:pPr/>
               <a:t>‹#›</a:t>
             </a:fld>
             <a:endParaRPr kumimoji="1" lang="ko-KR" altLang="en-US"/>
@@ -1019,7 +1027,7 @@
     </p:spTree>
     <p:extLst>
       <p:ext uri="{BB962C8B-B14F-4D97-AF65-F5344CB8AC3E}">
-        <p14:creationId xmlns:p14="http://schemas.microsoft.com/office/powerpoint/2010/main" val="1830675243"/>
+        <p14:creationId xmlns:p14="http://schemas.microsoft.com/office/powerpoint/2010/main" xmlns="" val="1830675243"/>
       </p:ext>
     </p:extLst>
   </p:cSld>
@@ -1136,7 +1144,8 @@
           <a:p>
             <a:fld id="{9A7BEA77-FCFD-E34F-8955-12C1E82451E3}" type="datetimeFigureOut">
               <a:rPr kumimoji="1" lang="ko-KR" altLang="en-US" smtClean="0"/>
-              <a:t>2017-02-17</a:t>
+              <a:pPr/>
+              <a:t>2017-02-22</a:t>
             </a:fld>
             <a:endParaRPr kumimoji="1" lang="ko-KR" altLang="en-US"/>
           </a:p>
@@ -1178,6 +1187,7 @@
           <a:p>
             <a:fld id="{70884A4D-7F54-BA49-81E9-95E3ECF5AD17}" type="slidenum">
               <a:rPr kumimoji="1" lang="ko-KR" altLang="en-US" smtClean="0"/>
+              <a:pPr/>
               <a:t>‹#›</a:t>
             </a:fld>
             <a:endParaRPr kumimoji="1" lang="ko-KR" altLang="en-US"/>
@@ -1187,7 +1197,7 @@
     </p:spTree>
     <p:extLst>
       <p:ext uri="{BB962C8B-B14F-4D97-AF65-F5344CB8AC3E}">
-        <p14:creationId xmlns:p14="http://schemas.microsoft.com/office/powerpoint/2010/main" val="456422572"/>
+        <p14:creationId xmlns:p14="http://schemas.microsoft.com/office/powerpoint/2010/main" xmlns="" val="456422572"/>
       </p:ext>
     </p:extLst>
   </p:cSld>
@@ -1314,7 +1324,8 @@
           <a:p>
             <a:fld id="{9A7BEA77-FCFD-E34F-8955-12C1E82451E3}" type="datetimeFigureOut">
               <a:rPr kumimoji="1" lang="ko-KR" altLang="en-US" smtClean="0"/>
-              <a:t>2017-02-17</a:t>
+              <a:pPr/>
+              <a:t>2017-02-22</a:t>
             </a:fld>
             <a:endParaRPr kumimoji="1" lang="ko-KR" altLang="en-US"/>
           </a:p>
@@ -1356,6 +1367,7 @@
           <a:p>
             <a:fld id="{70884A4D-7F54-BA49-81E9-95E3ECF5AD17}" type="slidenum">
               <a:rPr kumimoji="1" lang="ko-KR" altLang="en-US" smtClean="0"/>
+              <a:pPr/>
               <a:t>‹#›</a:t>
             </a:fld>
             <a:endParaRPr kumimoji="1" lang="ko-KR" altLang="en-US"/>
@@ -1365,7 +1377,7 @@
     </p:spTree>
     <p:extLst>
       <p:ext uri="{BB962C8B-B14F-4D97-AF65-F5344CB8AC3E}">
-        <p14:creationId xmlns:p14="http://schemas.microsoft.com/office/powerpoint/2010/main" val="282580520"/>
+        <p14:creationId xmlns:p14="http://schemas.microsoft.com/office/powerpoint/2010/main" xmlns="" val="282580520"/>
       </p:ext>
     </p:extLst>
   </p:cSld>
@@ -1482,7 +1494,8 @@
           <a:p>
             <a:fld id="{9A7BEA77-FCFD-E34F-8955-12C1E82451E3}" type="datetimeFigureOut">
               <a:rPr kumimoji="1" lang="ko-KR" altLang="en-US" smtClean="0"/>
-              <a:t>2017-02-17</a:t>
+              <a:pPr/>
+              <a:t>2017-02-22</a:t>
             </a:fld>
             <a:endParaRPr kumimoji="1" lang="ko-KR" altLang="en-US"/>
           </a:p>
@@ -1524,6 +1537,7 @@
           <a:p>
             <a:fld id="{70884A4D-7F54-BA49-81E9-95E3ECF5AD17}" type="slidenum">
               <a:rPr kumimoji="1" lang="ko-KR" altLang="en-US" smtClean="0"/>
+              <a:pPr/>
               <a:t>‹#›</a:t>
             </a:fld>
             <a:endParaRPr kumimoji="1" lang="ko-KR" altLang="en-US"/>
@@ -1533,7 +1547,7 @@
     </p:spTree>
     <p:extLst>
       <p:ext uri="{BB962C8B-B14F-4D97-AF65-F5344CB8AC3E}">
-        <p14:creationId xmlns:p14="http://schemas.microsoft.com/office/powerpoint/2010/main" val="796188794"/>
+        <p14:creationId xmlns:p14="http://schemas.microsoft.com/office/powerpoint/2010/main" xmlns="" val="796188794"/>
       </p:ext>
     </p:extLst>
   </p:cSld>
@@ -1727,7 +1741,8 @@
           <a:p>
             <a:fld id="{9A7BEA77-FCFD-E34F-8955-12C1E82451E3}" type="datetimeFigureOut">
               <a:rPr kumimoji="1" lang="ko-KR" altLang="en-US" smtClean="0"/>
-              <a:t>2017-02-17</a:t>
+              <a:pPr/>
+              <a:t>2017-02-22</a:t>
             </a:fld>
             <a:endParaRPr kumimoji="1" lang="ko-KR" altLang="en-US"/>
           </a:p>
@@ -1769,6 +1784,7 @@
           <a:p>
             <a:fld id="{70884A4D-7F54-BA49-81E9-95E3ECF5AD17}" type="slidenum">
               <a:rPr kumimoji="1" lang="ko-KR" altLang="en-US" smtClean="0"/>
+              <a:pPr/>
               <a:t>‹#›</a:t>
             </a:fld>
             <a:endParaRPr kumimoji="1" lang="ko-KR" altLang="en-US"/>
@@ -1778,7 +1794,7 @@
     </p:spTree>
     <p:extLst>
       <p:ext uri="{BB962C8B-B14F-4D97-AF65-F5344CB8AC3E}">
-        <p14:creationId xmlns:p14="http://schemas.microsoft.com/office/powerpoint/2010/main" val="574456301"/>
+        <p14:creationId xmlns:p14="http://schemas.microsoft.com/office/powerpoint/2010/main" xmlns="" val="574456301"/>
       </p:ext>
     </p:extLst>
   </p:cSld>
@@ -1956,7 +1972,8 @@
           <a:p>
             <a:fld id="{9A7BEA77-FCFD-E34F-8955-12C1E82451E3}" type="datetimeFigureOut">
               <a:rPr kumimoji="1" lang="ko-KR" altLang="en-US" smtClean="0"/>
-              <a:t>2017-02-17</a:t>
+              <a:pPr/>
+              <a:t>2017-02-22</a:t>
             </a:fld>
             <a:endParaRPr kumimoji="1" lang="ko-KR" altLang="en-US"/>
           </a:p>
@@ -1998,6 +2015,7 @@
           <a:p>
             <a:fld id="{70884A4D-7F54-BA49-81E9-95E3ECF5AD17}" type="slidenum">
               <a:rPr kumimoji="1" lang="ko-KR" altLang="en-US" smtClean="0"/>
+              <a:pPr/>
               <a:t>‹#›</a:t>
             </a:fld>
             <a:endParaRPr kumimoji="1" lang="ko-KR" altLang="en-US"/>
@@ -2007,7 +2025,7 @@
     </p:spTree>
     <p:extLst>
       <p:ext uri="{BB962C8B-B14F-4D97-AF65-F5344CB8AC3E}">
-        <p14:creationId xmlns:p14="http://schemas.microsoft.com/office/powerpoint/2010/main" val="1948057642"/>
+        <p14:creationId xmlns:p14="http://schemas.microsoft.com/office/powerpoint/2010/main" xmlns="" val="1948057642"/>
       </p:ext>
     </p:extLst>
   </p:cSld>
@@ -2320,7 +2338,8 @@
           <a:p>
             <a:fld id="{9A7BEA77-FCFD-E34F-8955-12C1E82451E3}" type="datetimeFigureOut">
               <a:rPr kumimoji="1" lang="ko-KR" altLang="en-US" smtClean="0"/>
-              <a:t>2017-02-17</a:t>
+              <a:pPr/>
+              <a:t>2017-02-22</a:t>
             </a:fld>
             <a:endParaRPr kumimoji="1" lang="ko-KR" altLang="en-US"/>
           </a:p>
@@ -2362,6 +2381,7 @@
           <a:p>
             <a:fld id="{70884A4D-7F54-BA49-81E9-95E3ECF5AD17}" type="slidenum">
               <a:rPr kumimoji="1" lang="ko-KR" altLang="en-US" smtClean="0"/>
+              <a:pPr/>
               <a:t>‹#›</a:t>
             </a:fld>
             <a:endParaRPr kumimoji="1" lang="ko-KR" altLang="en-US"/>
@@ -2371,7 +2391,7 @@
     </p:spTree>
     <p:extLst>
       <p:ext uri="{BB962C8B-B14F-4D97-AF65-F5344CB8AC3E}">
-        <p14:creationId xmlns:p14="http://schemas.microsoft.com/office/powerpoint/2010/main" val="469106932"/>
+        <p14:creationId xmlns:p14="http://schemas.microsoft.com/office/powerpoint/2010/main" xmlns="" val="469106932"/>
       </p:ext>
     </p:extLst>
   </p:cSld>
@@ -2437,7 +2457,8 @@
           <a:p>
             <a:fld id="{9A7BEA77-FCFD-E34F-8955-12C1E82451E3}" type="datetimeFigureOut">
               <a:rPr kumimoji="1" lang="ko-KR" altLang="en-US" smtClean="0"/>
-              <a:t>2017-02-17</a:t>
+              <a:pPr/>
+              <a:t>2017-02-22</a:t>
             </a:fld>
             <a:endParaRPr kumimoji="1" lang="ko-KR" altLang="en-US"/>
           </a:p>
@@ -2479,6 +2500,7 @@
           <a:p>
             <a:fld id="{70884A4D-7F54-BA49-81E9-95E3ECF5AD17}" type="slidenum">
               <a:rPr kumimoji="1" lang="ko-KR" altLang="en-US" smtClean="0"/>
+              <a:pPr/>
               <a:t>‹#›</a:t>
             </a:fld>
             <a:endParaRPr kumimoji="1" lang="ko-KR" altLang="en-US"/>
@@ -2488,7 +2510,7 @@
     </p:spTree>
     <p:extLst>
       <p:ext uri="{BB962C8B-B14F-4D97-AF65-F5344CB8AC3E}">
-        <p14:creationId xmlns:p14="http://schemas.microsoft.com/office/powerpoint/2010/main" val="867737987"/>
+        <p14:creationId xmlns:p14="http://schemas.microsoft.com/office/powerpoint/2010/main" xmlns="" val="867737987"/>
       </p:ext>
     </p:extLst>
   </p:cSld>
@@ -2532,7 +2554,8 @@
           <a:p>
             <a:fld id="{9A7BEA77-FCFD-E34F-8955-12C1E82451E3}" type="datetimeFigureOut">
               <a:rPr kumimoji="1" lang="ko-KR" altLang="en-US" smtClean="0"/>
-              <a:t>2017-02-17</a:t>
+              <a:pPr/>
+              <a:t>2017-02-22</a:t>
             </a:fld>
             <a:endParaRPr kumimoji="1" lang="ko-KR" altLang="en-US"/>
           </a:p>
@@ -2574,6 +2597,7 @@
           <a:p>
             <a:fld id="{70884A4D-7F54-BA49-81E9-95E3ECF5AD17}" type="slidenum">
               <a:rPr kumimoji="1" lang="ko-KR" altLang="en-US" smtClean="0"/>
+              <a:pPr/>
               <a:t>‹#›</a:t>
             </a:fld>
             <a:endParaRPr kumimoji="1" lang="ko-KR" altLang="en-US"/>
@@ -2583,7 +2607,7 @@
     </p:spTree>
     <p:extLst>
       <p:ext uri="{BB962C8B-B14F-4D97-AF65-F5344CB8AC3E}">
-        <p14:creationId xmlns:p14="http://schemas.microsoft.com/office/powerpoint/2010/main" val="510900732"/>
+        <p14:creationId xmlns:p14="http://schemas.microsoft.com/office/powerpoint/2010/main" xmlns="" val="510900732"/>
       </p:ext>
     </p:extLst>
   </p:cSld>
@@ -2807,7 +2831,8 @@
           <a:p>
             <a:fld id="{9A7BEA77-FCFD-E34F-8955-12C1E82451E3}" type="datetimeFigureOut">
               <a:rPr kumimoji="1" lang="ko-KR" altLang="en-US" smtClean="0"/>
-              <a:t>2017-02-17</a:t>
+              <a:pPr/>
+              <a:t>2017-02-22</a:t>
             </a:fld>
             <a:endParaRPr kumimoji="1" lang="ko-KR" altLang="en-US"/>
           </a:p>
@@ -2849,6 +2874,7 @@
           <a:p>
             <a:fld id="{70884A4D-7F54-BA49-81E9-95E3ECF5AD17}" type="slidenum">
               <a:rPr kumimoji="1" lang="ko-KR" altLang="en-US" smtClean="0"/>
+              <a:pPr/>
               <a:t>‹#›</a:t>
             </a:fld>
             <a:endParaRPr kumimoji="1" lang="ko-KR" altLang="en-US"/>
@@ -2858,7 +2884,7 @@
     </p:spTree>
     <p:extLst>
       <p:ext uri="{BB962C8B-B14F-4D97-AF65-F5344CB8AC3E}">
-        <p14:creationId xmlns:p14="http://schemas.microsoft.com/office/powerpoint/2010/main" val="1068982018"/>
+        <p14:creationId xmlns:p14="http://schemas.microsoft.com/office/powerpoint/2010/main" xmlns="" val="1068982018"/>
       </p:ext>
     </p:extLst>
   </p:cSld>
@@ -3059,7 +3085,8 @@
           <a:p>
             <a:fld id="{9A7BEA77-FCFD-E34F-8955-12C1E82451E3}" type="datetimeFigureOut">
               <a:rPr kumimoji="1" lang="ko-KR" altLang="en-US" smtClean="0"/>
-              <a:t>2017-02-17</a:t>
+              <a:pPr/>
+              <a:t>2017-02-22</a:t>
             </a:fld>
             <a:endParaRPr kumimoji="1" lang="ko-KR" altLang="en-US"/>
           </a:p>
@@ -3101,6 +3128,7 @@
           <a:p>
             <a:fld id="{70884A4D-7F54-BA49-81E9-95E3ECF5AD17}" type="slidenum">
               <a:rPr kumimoji="1" lang="ko-KR" altLang="en-US" smtClean="0"/>
+              <a:pPr/>
               <a:t>‹#›</a:t>
             </a:fld>
             <a:endParaRPr kumimoji="1" lang="ko-KR" altLang="en-US"/>
@@ -3110,7 +3138,7 @@
     </p:spTree>
     <p:extLst>
       <p:ext uri="{BB962C8B-B14F-4D97-AF65-F5344CB8AC3E}">
-        <p14:creationId xmlns:p14="http://schemas.microsoft.com/office/powerpoint/2010/main" val="532585724"/>
+        <p14:creationId xmlns:p14="http://schemas.microsoft.com/office/powerpoint/2010/main" xmlns="" val="532585724"/>
       </p:ext>
     </p:extLst>
   </p:cSld>
@@ -3270,7 +3298,8 @@
           <a:p>
             <a:fld id="{9A7BEA77-FCFD-E34F-8955-12C1E82451E3}" type="datetimeFigureOut">
               <a:rPr kumimoji="1" lang="ko-KR" altLang="en-US" smtClean="0"/>
-              <a:t>2017-02-17</a:t>
+              <a:pPr/>
+              <a:t>2017-02-22</a:t>
             </a:fld>
             <a:endParaRPr kumimoji="1" lang="ko-KR" altLang="en-US"/>
           </a:p>
@@ -3348,6 +3377,7 @@
           <a:p>
             <a:fld id="{70884A4D-7F54-BA49-81E9-95E3ECF5AD17}" type="slidenum">
               <a:rPr kumimoji="1" lang="ko-KR" altLang="en-US" smtClean="0"/>
+              <a:pPr/>
               <a:t>‹#›</a:t>
             </a:fld>
             <a:endParaRPr kumimoji="1" lang="ko-KR" altLang="en-US"/>
@@ -3366,7 +3396,7 @@
           <a:blip r:embed="rId13" cstate="email">
             <a:extLst>
               <a:ext uri="{28A0092B-C50C-407E-A947-70E740481C1C}">
-                <a14:useLocalDpi xmlns:a14="http://schemas.microsoft.com/office/drawing/2010/main"/>
+                <a14:useLocalDpi xmlns:a14="http://schemas.microsoft.com/office/drawing/2010/main" xmlns=""/>
               </a:ext>
             </a:extLst>
           </a:blip>
@@ -3387,7 +3417,7 @@
     </p:spTree>
     <p:extLst>
       <p:ext uri="{BB962C8B-B14F-4D97-AF65-F5344CB8AC3E}">
-        <p14:creationId xmlns:p14="http://schemas.microsoft.com/office/powerpoint/2010/main" val="870627522"/>
+        <p14:creationId xmlns:p14="http://schemas.microsoft.com/office/powerpoint/2010/main" xmlns="" val="870627522"/>
       </p:ext>
     </p:extLst>
   </p:cSld>
@@ -5043,7 +5073,7 @@
     </p:spTree>
     <p:extLst>
       <p:ext uri="{BB962C8B-B14F-4D97-AF65-F5344CB8AC3E}">
-        <p14:creationId xmlns:p14="http://schemas.microsoft.com/office/powerpoint/2010/main" val="771827545"/>
+        <p14:creationId xmlns:p14="http://schemas.microsoft.com/office/powerpoint/2010/main" xmlns="" val="771827545"/>
       </p:ext>
     </p:extLst>
   </p:cSld>
@@ -5053,8 +5083,8 @@
   <p:transition spd="slow">
     <p:push dir="u"/>
   </p:transition>
-  <mc:AlternateContent xmlns:mc="http://schemas.openxmlformats.org/markup-compatibility/2006" xmlns:p14="http://schemas.microsoft.com/office/powerpoint/2010/main">
-    <mc:Choice Requires="p14">
+  <mc:AlternateContent xmlns:mc="http://schemas.openxmlformats.org/markup-compatibility/2006">
+    <mc:Choice xmlns:p14="http://schemas.microsoft.com/office/powerpoint/2010/main" xmlns="" Requires="p14">
       <p:timing>
         <p:tnLst>
           <p:par>
@@ -5180,7 +5210,7 @@
         </p:tnLst>
       </p:timing>
     </mc:Choice>
-    <mc:Fallback xmlns="">
+    <mc:Fallback>
       <p:timing>
         <p:tnLst>
           <p:par>
@@ -8200,7 +8230,7 @@
     </p:spTree>
     <p:extLst>
       <p:ext uri="{BB962C8B-B14F-4D97-AF65-F5344CB8AC3E}">
-        <p14:creationId xmlns:p14="http://schemas.microsoft.com/office/powerpoint/2010/main" val="50008626"/>
+        <p14:creationId xmlns:p14="http://schemas.microsoft.com/office/powerpoint/2010/main" xmlns="" val="50008626"/>
       </p:ext>
     </p:extLst>
   </p:cSld>
@@ -9424,7 +9454,7 @@
     </p:spTree>
     <p:extLst>
       <p:ext uri="{BB962C8B-B14F-4D97-AF65-F5344CB8AC3E}">
-        <p14:creationId xmlns:p14="http://schemas.microsoft.com/office/powerpoint/2010/main" val="1443592203"/>
+        <p14:creationId xmlns:p14="http://schemas.microsoft.com/office/powerpoint/2010/main" xmlns="" val="1443592203"/>
       </p:ext>
     </p:extLst>
   </p:cSld>
@@ -9892,20 +9922,20 @@
       </p:sp>
       <p:sp>
         <p:nvSpPr>
-          <p:cNvPr id="43" name="모서리가 둥근 직사각형 42"/>
+          <p:cNvPr id="19" name="모서리가 둥근 직사각형 18"/>
           <p:cNvSpPr/>
           <p:nvPr/>
         </p:nvSpPr>
         <p:spPr>
           <a:xfrm>
-            <a:off x="2802890" y="2112645"/>
-            <a:ext cx="2001520" cy="455930"/>
+            <a:off x="7418070" y="1369695"/>
+            <a:ext cx="831215" cy="563245"/>
           </a:xfrm>
           <a:prstGeom prst="roundRect">
             <a:avLst/>
           </a:prstGeom>
           <a:solidFill>
-            <a:srgbClr val="00B0F0"/>
+            <a:srgbClr val="FFC000"/>
           </a:solidFill>
           <a:ln>
             <a:noFill/>
@@ -9933,32 +9963,37 @@
           <a:p>
             <a:pPr algn="ctr"/>
             <a:r>
-              <a:rPr kumimoji="1" lang="ko-KR" altLang="en-US" dirty="0">
-                <a:solidFill>
-                  <a:schemeClr val="bg1"/>
-                </a:solidFill>
-              </a:rPr>
-              <a:t>애니메이션</a:t>
-            </a:r>
-          </a:p>
-        </p:txBody>
-      </p:sp>
-      <p:sp>
-        <p:nvSpPr>
-          <p:cNvPr id="19" name="모서리가 둥근 직사각형 18"/>
+              <a:rPr kumimoji="1" lang="en-US" altLang="ko-KR" sz="2400" dirty="0">
+                <a:solidFill>
+                  <a:schemeClr val="tx1"/>
+                </a:solidFill>
+              </a:rPr>
+              <a:t>5</a:t>
+            </a:r>
+            <a:endParaRPr kumimoji="1" lang="ko-KR" altLang="en-US" sz="2400" dirty="0">
+              <a:solidFill>
+                <a:schemeClr val="tx1"/>
+              </a:solidFill>
+            </a:endParaRPr>
+          </a:p>
+        </p:txBody>
+      </p:sp>
+      <p:sp>
+        <p:nvSpPr>
+          <p:cNvPr id="20" name="모서리가 둥근 직사각형 19"/>
           <p:cNvSpPr/>
           <p:nvPr/>
         </p:nvSpPr>
         <p:spPr>
           <a:xfrm>
-            <a:off x="7418070" y="1369695"/>
+            <a:off x="10879455" y="1369695"/>
             <a:ext cx="831215" cy="563245"/>
           </a:xfrm>
           <a:prstGeom prst="roundRect">
             <a:avLst/>
           </a:prstGeom>
           <a:solidFill>
-            <a:srgbClr val="FFC000"/>
+            <a:srgbClr val="FF0000"/>
           </a:solidFill>
           <a:ln>
             <a:noFill/>
@@ -9988,14 +10023,14 @@
             <a:r>
               <a:rPr kumimoji="1" lang="en-US" altLang="ko-KR" sz="2400" dirty="0">
                 <a:solidFill>
-                  <a:schemeClr val="tx1"/>
-                </a:solidFill>
-              </a:rPr>
-              <a:t>5</a:t>
+                  <a:schemeClr val="bg1"/>
+                </a:solidFill>
+              </a:rPr>
+              <a:t>8</a:t>
             </a:r>
             <a:endParaRPr kumimoji="1" lang="ko-KR" altLang="en-US" sz="2400" dirty="0">
               <a:solidFill>
-                <a:schemeClr val="tx1"/>
+                <a:schemeClr val="bg1"/>
               </a:solidFill>
             </a:endParaRPr>
           </a:p>
@@ -10003,20 +10038,20 @@
       </p:sp>
       <p:sp>
         <p:nvSpPr>
-          <p:cNvPr id="20" name="모서리가 둥근 직사각형 19"/>
+          <p:cNvPr id="21" name="모서리가 둥근 직사각형 20"/>
           <p:cNvSpPr/>
           <p:nvPr/>
         </p:nvSpPr>
         <p:spPr>
           <a:xfrm>
-            <a:off x="10879455" y="1369695"/>
+            <a:off x="495300" y="1369695"/>
             <a:ext cx="831215" cy="563245"/>
           </a:xfrm>
           <a:prstGeom prst="roundRect">
             <a:avLst/>
           </a:prstGeom>
           <a:solidFill>
-            <a:srgbClr val="FF0000"/>
+            <a:schemeClr val="bg1"/>
           </a:solidFill>
           <a:ln>
             <a:noFill/>
@@ -10044,30 +10079,54 @@
           <a:p>
             <a:pPr algn="ctr"/>
             <a:r>
-              <a:rPr kumimoji="1" lang="en-US" altLang="ko-KR" sz="2400" dirty="0">
-                <a:solidFill>
-                  <a:schemeClr val="bg1"/>
-                </a:solidFill>
-              </a:rPr>
-              <a:t>8</a:t>
-            </a:r>
-            <a:endParaRPr kumimoji="1" lang="ko-KR" altLang="en-US" sz="2400" dirty="0">
+              <a:rPr kumimoji="1" lang="en-US" altLang="ko-KR" dirty="0">
+                <a:solidFill>
+                  <a:schemeClr val="tx1"/>
+                </a:solidFill>
+              </a:rPr>
+              <a:t>16</a:t>
+            </a:r>
+            <a:r>
+              <a:rPr kumimoji="1" lang="ko-KR" altLang="en-US" dirty="0">
+                <a:solidFill>
+                  <a:schemeClr val="tx1"/>
+                </a:solidFill>
+              </a:rPr>
+              <a:t>년</a:t>
+            </a:r>
+            <a:endParaRPr kumimoji="1" lang="en-US" altLang="ko-KR" dirty="0">
               <a:solidFill>
-                <a:schemeClr val="bg1"/>
+                <a:schemeClr val="tx1"/>
               </a:solidFill>
             </a:endParaRPr>
           </a:p>
-        </p:txBody>
-      </p:sp>
-      <p:sp>
-        <p:nvSpPr>
-          <p:cNvPr id="21" name="모서리가 둥근 직사각형 20"/>
+          <a:p>
+            <a:pPr algn="ctr"/>
+            <a:r>
+              <a:rPr kumimoji="1" lang="en-US" altLang="ko-KR" dirty="0">
+                <a:solidFill>
+                  <a:schemeClr val="tx1"/>
+                </a:solidFill>
+              </a:rPr>
+              <a:t>11</a:t>
+            </a:r>
+            <a:endParaRPr kumimoji="1" lang="ko-KR" altLang="en-US" dirty="0">
+              <a:solidFill>
+                <a:schemeClr val="tx1"/>
+              </a:solidFill>
+            </a:endParaRPr>
+          </a:p>
+        </p:txBody>
+      </p:sp>
+      <p:sp>
+        <p:nvSpPr>
+          <p:cNvPr id="22" name="모서리가 둥근 직사각형 21"/>
           <p:cNvSpPr/>
           <p:nvPr/>
         </p:nvSpPr>
         <p:spPr>
           <a:xfrm>
-            <a:off x="495300" y="1369695"/>
+            <a:off x="1649095" y="1369695"/>
             <a:ext cx="831215" cy="563245"/>
           </a:xfrm>
           <a:prstGeom prst="roundRect">
@@ -10102,54 +10161,30 @@
           <a:p>
             <a:pPr algn="ctr"/>
             <a:r>
-              <a:rPr kumimoji="1" lang="en-US" altLang="ko-KR" dirty="0">
+              <a:rPr kumimoji="1" lang="en-US" altLang="ko-KR" sz="2400" dirty="0">
                 <a:solidFill>
                   <a:schemeClr val="tx1"/>
                 </a:solidFill>
               </a:rPr>
-              <a:t>16</a:t>
-            </a:r>
-            <a:r>
-              <a:rPr kumimoji="1" lang="ko-KR" altLang="en-US" dirty="0">
-                <a:solidFill>
-                  <a:schemeClr val="tx1"/>
-                </a:solidFill>
-              </a:rPr>
-              <a:t>년</a:t>
-            </a:r>
-            <a:endParaRPr kumimoji="1" lang="en-US" altLang="ko-KR" dirty="0">
+              <a:t>12</a:t>
+            </a:r>
+            <a:endParaRPr kumimoji="1" lang="ko-KR" altLang="en-US" sz="2400" dirty="0">
               <a:solidFill>
                 <a:schemeClr val="tx1"/>
               </a:solidFill>
             </a:endParaRPr>
           </a:p>
-          <a:p>
-            <a:pPr algn="ctr"/>
-            <a:r>
-              <a:rPr kumimoji="1" lang="en-US" altLang="ko-KR" dirty="0">
-                <a:solidFill>
-                  <a:schemeClr val="tx1"/>
-                </a:solidFill>
-              </a:rPr>
-              <a:t>11</a:t>
-            </a:r>
-            <a:endParaRPr kumimoji="1" lang="ko-KR" altLang="en-US" dirty="0">
-              <a:solidFill>
-                <a:schemeClr val="tx1"/>
-              </a:solidFill>
-            </a:endParaRPr>
-          </a:p>
-        </p:txBody>
-      </p:sp>
-      <p:sp>
-        <p:nvSpPr>
-          <p:cNvPr id="22" name="모서리가 둥근 직사각형 21"/>
+        </p:txBody>
+      </p:sp>
+      <p:sp>
+        <p:nvSpPr>
+          <p:cNvPr id="23" name="모서리가 둥근 직사각형 22"/>
           <p:cNvSpPr/>
           <p:nvPr/>
         </p:nvSpPr>
         <p:spPr>
           <a:xfrm>
-            <a:off x="1649095" y="1369695"/>
+            <a:off x="2802890" y="1369695"/>
             <a:ext cx="831215" cy="563245"/>
           </a:xfrm>
           <a:prstGeom prst="roundRect">
@@ -10184,37 +10219,61 @@
           <a:p>
             <a:pPr algn="ctr"/>
             <a:r>
-              <a:rPr kumimoji="1" lang="en-US" altLang="ko-KR" sz="2400" dirty="0">
+              <a:rPr kumimoji="1" lang="en-US" altLang="ko-KR" dirty="0">
                 <a:solidFill>
                   <a:schemeClr val="tx1"/>
                 </a:solidFill>
               </a:rPr>
-              <a:t>12</a:t>
-            </a:r>
-            <a:endParaRPr kumimoji="1" lang="ko-KR" altLang="en-US" sz="2400" dirty="0">
+              <a:t>17</a:t>
+            </a:r>
+            <a:r>
+              <a:rPr kumimoji="1" lang="ko-KR" altLang="en-US" dirty="0">
+                <a:solidFill>
+                  <a:schemeClr val="tx1"/>
+                </a:solidFill>
+              </a:rPr>
+              <a:t>년</a:t>
+            </a:r>
+            <a:endParaRPr kumimoji="1" lang="en-US" altLang="ko-KR" dirty="0">
               <a:solidFill>
                 <a:schemeClr val="tx1"/>
               </a:solidFill>
             </a:endParaRPr>
           </a:p>
-        </p:txBody>
-      </p:sp>
-      <p:sp>
-        <p:nvSpPr>
-          <p:cNvPr id="23" name="모서리가 둥근 직사각형 22"/>
+          <a:p>
+            <a:pPr algn="ctr"/>
+            <a:r>
+              <a:rPr kumimoji="1" lang="en-US" altLang="ko-KR" dirty="0">
+                <a:solidFill>
+                  <a:schemeClr val="tx1"/>
+                </a:solidFill>
+              </a:rPr>
+              <a:t>1</a:t>
+            </a:r>
+            <a:endParaRPr kumimoji="1" lang="ko-KR" altLang="en-US" dirty="0">
+              <a:solidFill>
+                <a:schemeClr val="tx1"/>
+              </a:solidFill>
+            </a:endParaRPr>
+          </a:p>
+        </p:txBody>
+      </p:sp>
+      <p:sp>
+        <p:nvSpPr>
+          <p:cNvPr id="27" name="모서리가 둥근 직사각형 26"/>
           <p:cNvSpPr/>
           <p:nvPr/>
         </p:nvSpPr>
         <p:spPr>
           <a:xfrm>
-            <a:off x="2802890" y="1369695"/>
-            <a:ext cx="831215" cy="563245"/>
+            <a:off x="8249920" y="5518150"/>
+            <a:ext cx="2629534" cy="455930"/>
           </a:xfrm>
           <a:prstGeom prst="roundRect">
             <a:avLst/>
           </a:prstGeom>
           <a:solidFill>
-            <a:schemeClr val="bg1"/>
+            <a:srgbClr val="00B0F0"/>
           </a:solidFill>
           <a:ln>
             <a:noFill/>
@@ -10242,61 +10301,47 @@
           <a:p>
             <a:pPr algn="ctr"/>
             <a:r>
-              <a:rPr kumimoji="1" lang="en-US" altLang="ko-KR" dirty="0">
-                <a:solidFill>
-                  <a:schemeClr val="tx1"/>
-                </a:solidFill>
-              </a:rPr>
-              <a:t>17</a:t>
-            </a:r>
-            <a:r>
-              <a:rPr kumimoji="1" lang="ko-KR" altLang="en-US" dirty="0">
-                <a:solidFill>
-                  <a:schemeClr val="tx1"/>
-                </a:solidFill>
-              </a:rPr>
-              <a:t>년</a:t>
-            </a:r>
-            <a:endParaRPr kumimoji="1" lang="en-US" altLang="ko-KR" dirty="0">
+              <a:rPr kumimoji="1" lang="ko-KR" altLang="en-US" sz="1600" dirty="0" smtClean="0">
+                <a:solidFill>
+                  <a:schemeClr val="bg1"/>
+                </a:solidFill>
+              </a:rPr>
+              <a:t>추가 </a:t>
+            </a:r>
+            <a:r>
+              <a:rPr kumimoji="1" lang="ko-KR" altLang="en-US" sz="1600" dirty="0" err="1" smtClean="0">
+                <a:solidFill>
+                  <a:schemeClr val="bg1"/>
+                </a:solidFill>
+              </a:rPr>
+              <a:t>셰이더</a:t>
+            </a:r>
+            <a:endParaRPr kumimoji="1" lang="ko-KR" altLang="en-US" sz="1600" dirty="0">
               <a:solidFill>
-                <a:schemeClr val="tx1"/>
+                <a:schemeClr val="bg1"/>
               </a:solidFill>
             </a:endParaRPr>
           </a:p>
-          <a:p>
-            <a:pPr algn="ctr"/>
-            <a:r>
-              <a:rPr kumimoji="1" lang="en-US" altLang="ko-KR" dirty="0">
-                <a:solidFill>
-                  <a:schemeClr val="tx1"/>
-                </a:solidFill>
-              </a:rPr>
-              <a:t>1</a:t>
-            </a:r>
-            <a:endParaRPr kumimoji="1" lang="ko-KR" altLang="en-US" dirty="0">
-              <a:solidFill>
-                <a:schemeClr val="tx1"/>
-              </a:solidFill>
-            </a:endParaRPr>
-          </a:p>
-        </p:txBody>
-      </p:sp>
-      <p:sp>
-        <p:nvSpPr>
-          <p:cNvPr id="27" name="모서리가 둥근 직사각형 26"/>
+        </p:txBody>
+      </p:sp>
+      <p:sp>
+        <p:nvSpPr>
+          <p:cNvPr id="30" name="모서리가 둥근 직사각형 29"/>
           <p:cNvSpPr/>
           <p:nvPr/>
         </p:nvSpPr>
         <p:spPr>
           <a:xfrm>
-            <a:off x="6680200" y="5518150"/>
-            <a:ext cx="3877310" cy="455930"/>
+            <a:off x="10879454" y="6104255"/>
+            <a:ext cx="1007746" cy="455930"/>
           </a:xfrm>
           <a:prstGeom prst="roundRect">
             <a:avLst/>
           </a:prstGeom>
           <a:solidFill>
-            <a:srgbClr val="00B0F0"/>
+            <a:schemeClr val="bg1">
+              <a:lumMod val="50000"/>
+            </a:schemeClr>
           </a:solidFill>
           <a:ln>
             <a:noFill/>
@@ -10324,34 +10369,37 @@
           <a:p>
             <a:pPr algn="ctr"/>
             <a:r>
-              <a:rPr kumimoji="1" lang="ko-KR" altLang="en-US" sz="1600" dirty="0">
+              <a:rPr kumimoji="1" lang="ko-KR" altLang="en-US" sz="2000" dirty="0">
                 <a:solidFill>
                   <a:schemeClr val="bg1"/>
                 </a:solidFill>
               </a:rPr>
-              <a:t>환경매핑</a:t>
-            </a:r>
-          </a:p>
-        </p:txBody>
-      </p:sp>
-      <p:sp>
-        <p:nvSpPr>
-          <p:cNvPr id="30" name="모서리가 둥근 직사각형 29"/>
+              <a:t>최적화</a:t>
+            </a:r>
+            <a:endParaRPr kumimoji="1" lang="ko-KR" altLang="en-US" sz="1600" dirty="0">
+              <a:solidFill>
+                <a:schemeClr val="bg1"/>
+              </a:solidFill>
+            </a:endParaRPr>
+          </a:p>
+        </p:txBody>
+      </p:sp>
+      <p:sp>
+        <p:nvSpPr>
+          <p:cNvPr id="25" name="모서리가 둥근 직사각형 24"/>
           <p:cNvSpPr/>
           <p:nvPr/>
         </p:nvSpPr>
         <p:spPr>
           <a:xfrm>
-            <a:off x="9725660" y="6104255"/>
-            <a:ext cx="1985010" cy="455930"/>
+            <a:off x="4787900" y="2076226"/>
+            <a:ext cx="1022350" cy="455930"/>
           </a:xfrm>
           <a:prstGeom prst="roundRect">
             <a:avLst/>
           </a:prstGeom>
           <a:solidFill>
-            <a:schemeClr val="bg1">
-              <a:lumMod val="50000"/>
-            </a:schemeClr>
+            <a:srgbClr val="00B0F0"/>
           </a:solidFill>
           <a:ln>
             <a:noFill/>
@@ -10379,65 +10427,7 @@
           <a:p>
             <a:pPr algn="ctr"/>
             <a:r>
-              <a:rPr kumimoji="1" lang="ko-KR" altLang="en-US" sz="2000" dirty="0">
-                <a:solidFill>
-                  <a:schemeClr val="bg1"/>
-                </a:solidFill>
-              </a:rPr>
-              <a:t>최적화</a:t>
-            </a:r>
-            <a:endParaRPr kumimoji="1" lang="ko-KR" altLang="en-US" sz="1600" dirty="0">
-              <a:solidFill>
-                <a:schemeClr val="bg1"/>
-              </a:solidFill>
-            </a:endParaRPr>
-          </a:p>
-        </p:txBody>
-      </p:sp>
-      <p:sp>
-        <p:nvSpPr>
-          <p:cNvPr id="25" name="모서리가 둥근 직사각형 24"/>
-          <p:cNvSpPr/>
-          <p:nvPr/>
-        </p:nvSpPr>
-        <p:spPr>
-          <a:xfrm>
-            <a:off x="4787900" y="2698750"/>
-            <a:ext cx="1022350" cy="455930"/>
-          </a:xfrm>
-          <a:prstGeom prst="roundRect">
-            <a:avLst/>
-          </a:prstGeom>
-          <a:solidFill>
-            <a:srgbClr val="00B0F0"/>
-          </a:solidFill>
-          <a:ln>
-            <a:noFill/>
-          </a:ln>
-        </p:spPr>
-        <p:style>
-          <a:lnRef idx="2">
-            <a:schemeClr val="accent1">
-              <a:shade val="50000"/>
-            </a:schemeClr>
-          </a:lnRef>
-          <a:fillRef idx="1">
-            <a:schemeClr val="accent1"/>
-          </a:fillRef>
-          <a:effectRef idx="0">
-            <a:schemeClr val="accent1"/>
-          </a:effectRef>
-          <a:fontRef idx="minor">
-            <a:schemeClr val="lt1"/>
-          </a:fontRef>
-        </p:style>
-        <p:txBody>
-          <a:bodyPr rtlCol="0" anchor="ctr"/>
-          <a:lstStyle/>
-          <a:p>
-            <a:pPr algn="ctr"/>
-            <a:r>
-              <a:rPr kumimoji="1" lang="ko-KR" altLang="en-US">
+              <a:rPr kumimoji="1" lang="ko-KR" altLang="en-US" dirty="0" err="1">
                 <a:solidFill>
                   <a:schemeClr val="bg1"/>
                 </a:solidFill>
@@ -10460,7 +10450,7 @@
         </p:nvSpPr>
         <p:spPr>
           <a:xfrm>
-            <a:off x="4787900" y="3284855"/>
+            <a:off x="4787265" y="2667896"/>
             <a:ext cx="1022985" cy="930275"/>
           </a:xfrm>
           <a:prstGeom prst="roundRect">
@@ -10600,7 +10590,7 @@
         </p:nvSpPr>
         <p:spPr>
           <a:xfrm>
-            <a:off x="5836920" y="4345305"/>
+            <a:off x="5941695" y="4345305"/>
             <a:ext cx="843280" cy="455930"/>
           </a:xfrm>
           <a:prstGeom prst="roundRect">
@@ -10635,18 +10625,13 @@
           <a:p>
             <a:pPr algn="ctr"/>
             <a:r>
-              <a:rPr kumimoji="1" lang="ko-KR" altLang="en-US">
+              <a:rPr kumimoji="1" lang="ko-KR" altLang="en-US" dirty="0">
                 <a:solidFill>
                   <a:schemeClr val="bg1"/>
                 </a:solidFill>
               </a:rPr>
               <a:t>툰</a:t>
             </a:r>
-            <a:endParaRPr kumimoji="1" lang="ko-KR" altLang="en-US" dirty="0">
-              <a:solidFill>
-                <a:schemeClr val="bg1"/>
-              </a:solidFill>
-            </a:endParaRPr>
           </a:p>
         </p:txBody>
       </p:sp>
@@ -10719,25 +10704,168 @@
           </a:p>
         </p:txBody>
       </p:sp>
+      <p:sp>
+        <p:nvSpPr>
+          <p:cNvPr id="31" name="모서리가 둥근 직사각형 30"/>
+          <p:cNvSpPr/>
+          <p:nvPr/>
+        </p:nvSpPr>
+        <p:spPr>
+          <a:xfrm>
+            <a:off x="4787265" y="3743661"/>
+            <a:ext cx="1022350" cy="455930"/>
+          </a:xfrm>
+          <a:prstGeom prst="roundRect">
+            <a:avLst/>
+          </a:prstGeom>
+          <a:solidFill>
+            <a:srgbClr val="00B0F0"/>
+          </a:solidFill>
+          <a:ln>
+            <a:noFill/>
+          </a:ln>
+        </p:spPr>
+        <p:style>
+          <a:lnRef idx="2">
+            <a:schemeClr val="accent1">
+              <a:shade val="50000"/>
+            </a:schemeClr>
+          </a:lnRef>
+          <a:fillRef idx="1">
+            <a:schemeClr val="accent1"/>
+          </a:fillRef>
+          <a:effectRef idx="0">
+            <a:schemeClr val="accent1"/>
+          </a:effectRef>
+          <a:fontRef idx="minor">
+            <a:schemeClr val="lt1"/>
+          </a:fontRef>
+        </p:style>
+        <p:txBody>
+          <a:bodyPr rtlCol="0" anchor="ctr"/>
+          <a:lstStyle/>
+          <a:p>
+            <a:pPr algn="ctr"/>
+            <a:r>
+              <a:rPr kumimoji="1" lang="ko-KR" altLang="en-US" dirty="0" err="1" smtClean="0">
+                <a:solidFill>
+                  <a:schemeClr val="bg1"/>
+                </a:solidFill>
+              </a:rPr>
+              <a:t>디퍼드</a:t>
+            </a:r>
+            <a:endParaRPr kumimoji="1" lang="en-US" altLang="ko-KR" dirty="0" smtClean="0">
+              <a:solidFill>
+                <a:schemeClr val="bg1"/>
+              </a:solidFill>
+            </a:endParaRPr>
+          </a:p>
+          <a:p>
+            <a:pPr algn="ctr"/>
+            <a:r>
+              <a:rPr kumimoji="1" lang="ko-KR" altLang="en-US" dirty="0" err="1" smtClean="0">
+                <a:solidFill>
+                  <a:schemeClr val="bg1"/>
+                </a:solidFill>
+              </a:rPr>
+              <a:t>셰이더</a:t>
+            </a:r>
+            <a:endParaRPr kumimoji="1" lang="ko-KR" altLang="en-US" dirty="0">
+              <a:solidFill>
+                <a:schemeClr val="bg1"/>
+              </a:solidFill>
+            </a:endParaRPr>
+          </a:p>
+        </p:txBody>
+      </p:sp>
+      <p:sp>
+        <p:nvSpPr>
+          <p:cNvPr id="32" name="모서리가 둥근 직사각형 31"/>
+          <p:cNvSpPr/>
+          <p:nvPr/>
+        </p:nvSpPr>
+        <p:spPr>
+          <a:xfrm>
+            <a:off x="4787265" y="4345305"/>
+            <a:ext cx="1022350" cy="455930"/>
+          </a:xfrm>
+          <a:prstGeom prst="roundRect">
+            <a:avLst/>
+          </a:prstGeom>
+          <a:solidFill>
+            <a:srgbClr val="00B0F0"/>
+          </a:solidFill>
+          <a:ln>
+            <a:noFill/>
+          </a:ln>
+        </p:spPr>
+        <p:style>
+          <a:lnRef idx="2">
+            <a:schemeClr val="accent1">
+              <a:shade val="50000"/>
+            </a:schemeClr>
+          </a:lnRef>
+          <a:fillRef idx="1">
+            <a:schemeClr val="accent1"/>
+          </a:fillRef>
+          <a:effectRef idx="0">
+            <a:schemeClr val="accent1"/>
+          </a:effectRef>
+          <a:fontRef idx="minor">
+            <a:schemeClr val="lt1"/>
+          </a:fontRef>
+        </p:style>
+        <p:txBody>
+          <a:bodyPr rtlCol="0" anchor="ctr"/>
+          <a:lstStyle/>
+          <a:p>
+            <a:pPr algn="ctr"/>
+            <a:r>
+              <a:rPr kumimoji="1" lang="en-US" altLang="ko-KR" dirty="0" smtClean="0">
+                <a:solidFill>
+                  <a:schemeClr val="bg1"/>
+                </a:solidFill>
+              </a:rPr>
+              <a:t>MRT</a:t>
+            </a:r>
+          </a:p>
+          <a:p>
+            <a:pPr algn="ctr"/>
+            <a:r>
+              <a:rPr kumimoji="1" lang="ko-KR" altLang="en-US" dirty="0" smtClean="0">
+                <a:solidFill>
+                  <a:schemeClr val="bg1"/>
+                </a:solidFill>
+              </a:rPr>
+              <a:t>관리</a:t>
+            </a:r>
+            <a:endParaRPr kumimoji="1" lang="ko-KR" altLang="en-US" dirty="0">
+              <a:solidFill>
+                <a:schemeClr val="bg1"/>
+              </a:solidFill>
+            </a:endParaRPr>
+          </a:p>
+        </p:txBody>
+      </p:sp>
     </p:spTree>
     <p:extLst>
       <p:ext uri="{BB962C8B-B14F-4D97-AF65-F5344CB8AC3E}">
-        <p14:creationId xmlns:p14="http://schemas.microsoft.com/office/powerpoint/2010/main" val="1758201785"/>
+        <p14:creationId xmlns:p14="http://schemas.microsoft.com/office/powerpoint/2010/main" xmlns="" val="1758201785"/>
       </p:ext>
     </p:extLst>
   </p:cSld>
   <p:clrMapOvr>
     <a:masterClrMapping/>
   </p:clrMapOvr>
-  <mc:AlternateContent xmlns:mc="http://schemas.openxmlformats.org/markup-compatibility/2006" xmlns:p14="http://schemas.microsoft.com/office/powerpoint/2010/main">
-    <mc:Choice Requires="p14">
+  <mc:AlternateContent xmlns:mc="http://schemas.openxmlformats.org/markup-compatibility/2006">
+    <mc:Choice xmlns:p14="http://schemas.microsoft.com/office/powerpoint/2010/main" xmlns="" Requires="p14">
       <p:transition spd="slow">
         <p:push/>
       </p:transition>
     </mc:Choice>
-    <mc:Fallback xmlns="">
+    <mc:Fallback>
       <p:transition spd="slow">
-        <p:push dir="l"/>
+        <p:push/>
       </p:transition>
     </mc:Fallback>
   </mc:AlternateContent>
@@ -12584,7 +12712,7 @@
     </p:spTree>
     <p:extLst>
       <p:ext uri="{BB962C8B-B14F-4D97-AF65-F5344CB8AC3E}">
-        <p14:creationId xmlns:p14="http://schemas.microsoft.com/office/powerpoint/2010/main" val="516771458"/>
+        <p14:creationId xmlns:p14="http://schemas.microsoft.com/office/powerpoint/2010/main" xmlns="" val="516771458"/>
       </p:ext>
     </p:extLst>
   </p:cSld>
@@ -12640,7 +12768,7 @@
     </a:clrScheme>
     <a:fontScheme name="Office">
       <a:majorFont>
-        <a:latin typeface="맑은 고딕" panose="020F0302020204030204"/>
+        <a:latin typeface="맑은 고딕"/>
         <a:ea typeface=""/>
         <a:cs typeface=""/>
         <a:font script="Jpan" typeface="Yu Gothic Light"/>
@@ -12675,7 +12803,7 @@
         <a:font script="Geor" typeface="Sylfaen"/>
       </a:majorFont>
       <a:minorFont>
-        <a:latin typeface="맑은 고딕" panose="020F0502020204030204"/>
+        <a:latin typeface="맑은 고딕"/>
         <a:ea typeface=""/>
         <a:cs typeface=""/>
         <a:font script="Jpan" typeface="Yu Gothic"/>
@@ -12852,7 +12980,7 @@
   <a:extraClrSchemeLst/>
   <a:extLst>
     <a:ext uri="{05A4C25C-085E-4340-85A3-A5531E510DB2}">
-      <thm15:themeFamily xmlns:thm15="http://schemas.microsoft.com/office/thememl/2012/main" name="Office Theme" id="{62F939B6-93AF-4DB8-9C6B-D6C7DFDC589F}" vid="{4A3C46E8-61CC-4603-A589-7422A47A8E4A}"/>
+      <thm15:themeFamily xmlns:thm15="http://schemas.microsoft.com/office/thememl/2012/main" xmlns="" name="Office Theme" id="{62F939B6-93AF-4DB8-9C6B-D6C7DFDC589F}" vid="{4A3C46E8-61CC-4603-A589-7422A47A8E4A}"/>
     </a:ext>
   </a:extLst>
 </a:theme>
@@ -12901,7 +13029,7 @@
     </a:clrScheme>
     <a:fontScheme name="Office">
       <a:majorFont>
-        <a:latin typeface="맑은 고딕" panose="020F0302020204030204"/>
+        <a:latin typeface="맑은 고딕"/>
         <a:ea typeface=""/>
         <a:cs typeface=""/>
         <a:font script="Jpan" typeface="Yu Gothic Light"/>
@@ -12936,7 +13064,7 @@
         <a:font script="Geor" typeface="Sylfaen"/>
       </a:majorFont>
       <a:minorFont>
-        <a:latin typeface="맑은 고딕" panose="020F0502020204030204"/>
+        <a:latin typeface="맑은 고딕"/>
         <a:ea typeface=""/>
         <a:cs typeface=""/>
         <a:font script="Jpan" typeface="Yu Gothic"/>
@@ -13113,7 +13241,7 @@
   <a:extraClrSchemeLst/>
   <a:extLst>
     <a:ext uri="{05A4C25C-085E-4340-85A3-A5531E510DB2}">
-      <thm15:themeFamily xmlns:thm15="http://schemas.microsoft.com/office/thememl/2012/main" name="Office Theme" id="{62F939B6-93AF-4DB8-9C6B-D6C7DFDC589F}" vid="{4A3C46E8-61CC-4603-A589-7422A47A8E4A}"/>
+      <thm15:themeFamily xmlns:thm15="http://schemas.microsoft.com/office/thememl/2012/main" xmlns="" name="Office Theme" id="{62F939B6-93AF-4DB8-9C6B-D6C7DFDC589F}" vid="{4A3C46E8-61CC-4603-A589-7422A47A8E4A}"/>
     </a:ext>
   </a:extLst>
 </a:theme>
@@ -13162,7 +13290,7 @@
     </a:clrScheme>
     <a:fontScheme name="Office">
       <a:majorFont>
-        <a:latin typeface="맑은 고딕" panose="020F0302020204030204"/>
+        <a:latin typeface="맑은 고딕"/>
         <a:ea typeface=""/>
         <a:cs typeface=""/>
         <a:font script="Jpan" typeface="Yu Gothic Light"/>
@@ -13197,7 +13325,7 @@
         <a:font script="Geor" typeface="Sylfaen"/>
       </a:majorFont>
       <a:minorFont>
-        <a:latin typeface="맑은 고딕" panose="020F0502020204030204"/>
+        <a:latin typeface="맑은 고딕"/>
         <a:ea typeface=""/>
         <a:cs typeface=""/>
         <a:font script="Jpan" typeface="Yu Gothic"/>
@@ -13374,7 +13502,7 @@
   <a:extraClrSchemeLst/>
   <a:extLst>
     <a:ext uri="{05A4C25C-085E-4340-85A3-A5531E510DB2}">
-      <thm15:themeFamily xmlns:thm15="http://schemas.microsoft.com/office/thememl/2012/main" name="Office Theme" id="{62F939B6-93AF-4DB8-9C6B-D6C7DFDC589F}" vid="{4A3C46E8-61CC-4603-A589-7422A47A8E4A}"/>
+      <thm15:themeFamily xmlns:thm15="http://schemas.microsoft.com/office/thememl/2012/main" xmlns="" name="Office Theme" id="{62F939B6-93AF-4DB8-9C6B-D6C7DFDC589F}" vid="{4A3C46E8-61CC-4603-A589-7422A47A8E4A}"/>
     </a:ext>
   </a:extLst>
 </a:theme>

--- a/documents/일정표(20170217).pptx
+++ b/documents/일정표(20170217).pptx
@@ -116,7 +116,7 @@
   </p:defaultTextStyle>
   <p:extLst>
     <p:ext uri="{EFAFB233-063F-42B5-8137-9DF3F51BA10A}">
-      <p15:sldGuideLst xmlns:p15="http://schemas.microsoft.com/office/powerpoint/2012/main" xmlns="">
+      <p15:sldGuideLst xmlns:p15="http://schemas.microsoft.com/office/powerpoint/2012/main">
         <p15:guide id="1" orient="horz" pos="2160" userDrawn="1">
           <p15:clr>
             <a:srgbClr val="A4A3A4"/>
@@ -130,7 +130,7 @@
       </p15:sldGuideLst>
     </p:ext>
     <p:ext uri="{2D200454-40CA-4A62-9FC3-DE9A4176ACB9}">
-      <p15:notesGuideLst xmlns:p15="http://schemas.microsoft.com/office/powerpoint/2012/main" xmlns="">
+      <p15:notesGuideLst xmlns:p15="http://schemas.microsoft.com/office/powerpoint/2012/main">
         <p15:guide id="1" orient="horz" pos="2880" userDrawn="1">
           <p15:clr>
             <a:srgbClr val="A4A3A4"/>
@@ -316,7 +316,7 @@
     </p:spTree>
     <p:extLst>
       <p:ext uri="{BB962C8B-B14F-4D97-AF65-F5344CB8AC3E}">
-        <p14:creationId xmlns:p14="http://schemas.microsoft.com/office/powerpoint/2010/main" xmlns="" val="1346057156"/>
+        <p14:creationId xmlns:p14="http://schemas.microsoft.com/office/powerpoint/2010/main" val="1346057156"/>
       </p:ext>
     </p:extLst>
   </p:cSld>
@@ -575,7 +575,7 @@
     </p:spTree>
     <p:extLst>
       <p:ext uri="{BB962C8B-B14F-4D97-AF65-F5344CB8AC3E}">
-        <p14:creationId xmlns:p14="http://schemas.microsoft.com/office/powerpoint/2010/main" xmlns="" val="1183702078"/>
+        <p14:creationId xmlns:p14="http://schemas.microsoft.com/office/powerpoint/2010/main" val="1183702078"/>
       </p:ext>
     </p:extLst>
   </p:cSld>
@@ -750,7 +750,7 @@
     </p:spTree>
     <p:extLst>
       <p:ext uri="{BB962C8B-B14F-4D97-AF65-F5344CB8AC3E}">
-        <p14:creationId xmlns:p14="http://schemas.microsoft.com/office/powerpoint/2010/main" xmlns="" val="704854212"/>
+        <p14:creationId xmlns:p14="http://schemas.microsoft.com/office/powerpoint/2010/main" val="704854212"/>
       </p:ext>
     </p:extLst>
   </p:cSld>
@@ -835,7 +835,7 @@
     </p:spTree>
     <p:extLst>
       <p:ext uri="{BB962C8B-B14F-4D97-AF65-F5344CB8AC3E}">
-        <p14:creationId xmlns:p14="http://schemas.microsoft.com/office/powerpoint/2010/main" xmlns="" val="3731061897"/>
+        <p14:creationId xmlns:p14="http://schemas.microsoft.com/office/powerpoint/2010/main" val="3731061897"/>
       </p:ext>
     </p:extLst>
   </p:cSld>
@@ -1027,7 +1027,7 @@
     </p:spTree>
     <p:extLst>
       <p:ext uri="{BB962C8B-B14F-4D97-AF65-F5344CB8AC3E}">
-        <p14:creationId xmlns:p14="http://schemas.microsoft.com/office/powerpoint/2010/main" xmlns="" val="1830675243"/>
+        <p14:creationId xmlns:p14="http://schemas.microsoft.com/office/powerpoint/2010/main" val="1830675243"/>
       </p:ext>
     </p:extLst>
   </p:cSld>
@@ -1197,7 +1197,7 @@
     </p:spTree>
     <p:extLst>
       <p:ext uri="{BB962C8B-B14F-4D97-AF65-F5344CB8AC3E}">
-        <p14:creationId xmlns:p14="http://schemas.microsoft.com/office/powerpoint/2010/main" xmlns="" val="456422572"/>
+        <p14:creationId xmlns:p14="http://schemas.microsoft.com/office/powerpoint/2010/main" val="456422572"/>
       </p:ext>
     </p:extLst>
   </p:cSld>
@@ -1377,7 +1377,7 @@
     </p:spTree>
     <p:extLst>
       <p:ext uri="{BB962C8B-B14F-4D97-AF65-F5344CB8AC3E}">
-        <p14:creationId xmlns:p14="http://schemas.microsoft.com/office/powerpoint/2010/main" xmlns="" val="282580520"/>
+        <p14:creationId xmlns:p14="http://schemas.microsoft.com/office/powerpoint/2010/main" val="282580520"/>
       </p:ext>
     </p:extLst>
   </p:cSld>
@@ -1547,7 +1547,7 @@
     </p:spTree>
     <p:extLst>
       <p:ext uri="{BB962C8B-B14F-4D97-AF65-F5344CB8AC3E}">
-        <p14:creationId xmlns:p14="http://schemas.microsoft.com/office/powerpoint/2010/main" xmlns="" val="796188794"/>
+        <p14:creationId xmlns:p14="http://schemas.microsoft.com/office/powerpoint/2010/main" val="796188794"/>
       </p:ext>
     </p:extLst>
   </p:cSld>
@@ -1794,7 +1794,7 @@
     </p:spTree>
     <p:extLst>
       <p:ext uri="{BB962C8B-B14F-4D97-AF65-F5344CB8AC3E}">
-        <p14:creationId xmlns:p14="http://schemas.microsoft.com/office/powerpoint/2010/main" xmlns="" val="574456301"/>
+        <p14:creationId xmlns:p14="http://schemas.microsoft.com/office/powerpoint/2010/main" val="574456301"/>
       </p:ext>
     </p:extLst>
   </p:cSld>
@@ -2025,7 +2025,7 @@
     </p:spTree>
     <p:extLst>
       <p:ext uri="{BB962C8B-B14F-4D97-AF65-F5344CB8AC3E}">
-        <p14:creationId xmlns:p14="http://schemas.microsoft.com/office/powerpoint/2010/main" xmlns="" val="1948057642"/>
+        <p14:creationId xmlns:p14="http://schemas.microsoft.com/office/powerpoint/2010/main" val="1948057642"/>
       </p:ext>
     </p:extLst>
   </p:cSld>
@@ -2391,7 +2391,7 @@
     </p:spTree>
     <p:extLst>
       <p:ext uri="{BB962C8B-B14F-4D97-AF65-F5344CB8AC3E}">
-        <p14:creationId xmlns:p14="http://schemas.microsoft.com/office/powerpoint/2010/main" xmlns="" val="469106932"/>
+        <p14:creationId xmlns:p14="http://schemas.microsoft.com/office/powerpoint/2010/main" val="469106932"/>
       </p:ext>
     </p:extLst>
   </p:cSld>
@@ -2510,7 +2510,7 @@
     </p:spTree>
     <p:extLst>
       <p:ext uri="{BB962C8B-B14F-4D97-AF65-F5344CB8AC3E}">
-        <p14:creationId xmlns:p14="http://schemas.microsoft.com/office/powerpoint/2010/main" xmlns="" val="867737987"/>
+        <p14:creationId xmlns:p14="http://schemas.microsoft.com/office/powerpoint/2010/main" val="867737987"/>
       </p:ext>
     </p:extLst>
   </p:cSld>
@@ -2607,7 +2607,7 @@
     </p:spTree>
     <p:extLst>
       <p:ext uri="{BB962C8B-B14F-4D97-AF65-F5344CB8AC3E}">
-        <p14:creationId xmlns:p14="http://schemas.microsoft.com/office/powerpoint/2010/main" xmlns="" val="510900732"/>
+        <p14:creationId xmlns:p14="http://schemas.microsoft.com/office/powerpoint/2010/main" val="510900732"/>
       </p:ext>
     </p:extLst>
   </p:cSld>
@@ -2884,7 +2884,7 @@
     </p:spTree>
     <p:extLst>
       <p:ext uri="{BB962C8B-B14F-4D97-AF65-F5344CB8AC3E}">
-        <p14:creationId xmlns:p14="http://schemas.microsoft.com/office/powerpoint/2010/main" xmlns="" val="1068982018"/>
+        <p14:creationId xmlns:p14="http://schemas.microsoft.com/office/powerpoint/2010/main" val="1068982018"/>
       </p:ext>
     </p:extLst>
   </p:cSld>
@@ -3138,7 +3138,7 @@
     </p:spTree>
     <p:extLst>
       <p:ext uri="{BB962C8B-B14F-4D97-AF65-F5344CB8AC3E}">
-        <p14:creationId xmlns:p14="http://schemas.microsoft.com/office/powerpoint/2010/main" xmlns="" val="532585724"/>
+        <p14:creationId xmlns:p14="http://schemas.microsoft.com/office/powerpoint/2010/main" val="532585724"/>
       </p:ext>
     </p:extLst>
   </p:cSld>
@@ -3396,7 +3396,7 @@
           <a:blip r:embed="rId13" cstate="email">
             <a:extLst>
               <a:ext uri="{28A0092B-C50C-407E-A947-70E740481C1C}">
-                <a14:useLocalDpi xmlns:a14="http://schemas.microsoft.com/office/drawing/2010/main" xmlns=""/>
+                <a14:useLocalDpi xmlns:a14="http://schemas.microsoft.com/office/drawing/2010/main"/>
               </a:ext>
             </a:extLst>
           </a:blip>
@@ -3417,7 +3417,7 @@
     </p:spTree>
     <p:extLst>
       <p:ext uri="{BB962C8B-B14F-4D97-AF65-F5344CB8AC3E}">
-        <p14:creationId xmlns:p14="http://schemas.microsoft.com/office/powerpoint/2010/main" xmlns="" val="870627522"/>
+        <p14:creationId xmlns:p14="http://schemas.microsoft.com/office/powerpoint/2010/main" val="870627522"/>
       </p:ext>
     </p:extLst>
   </p:cSld>
@@ -5073,7 +5073,7 @@
     </p:spTree>
     <p:extLst>
       <p:ext uri="{BB962C8B-B14F-4D97-AF65-F5344CB8AC3E}">
-        <p14:creationId xmlns:p14="http://schemas.microsoft.com/office/powerpoint/2010/main" xmlns="" val="771827545"/>
+        <p14:creationId xmlns:p14="http://schemas.microsoft.com/office/powerpoint/2010/main" val="771827545"/>
       </p:ext>
     </p:extLst>
   </p:cSld>
@@ -5083,8 +5083,8 @@
   <p:transition spd="slow">
     <p:push dir="u"/>
   </p:transition>
-  <mc:AlternateContent xmlns:mc="http://schemas.openxmlformats.org/markup-compatibility/2006">
-    <mc:Choice xmlns:p14="http://schemas.microsoft.com/office/powerpoint/2010/main" xmlns="" Requires="p14">
+  <mc:AlternateContent xmlns:mc="http://schemas.openxmlformats.org/markup-compatibility/2006" xmlns:p14="http://schemas.microsoft.com/office/powerpoint/2010/main">
+    <mc:Choice Requires="p14">
       <p:timing>
         <p:tnLst>
           <p:par>
@@ -5210,7 +5210,7 @@
         </p:tnLst>
       </p:timing>
     </mc:Choice>
-    <mc:Fallback>
+    <mc:Fallback xmlns="">
       <p:timing>
         <p:tnLst>
           <p:par>
@@ -8230,7 +8230,7 @@
     </p:spTree>
     <p:extLst>
       <p:ext uri="{BB962C8B-B14F-4D97-AF65-F5344CB8AC3E}">
-        <p14:creationId xmlns:p14="http://schemas.microsoft.com/office/powerpoint/2010/main" xmlns="" val="50008626"/>
+        <p14:creationId xmlns:p14="http://schemas.microsoft.com/office/powerpoint/2010/main" val="50008626"/>
       </p:ext>
     </p:extLst>
   </p:cSld>
@@ -9454,7 +9454,7 @@
     </p:spTree>
     <p:extLst>
       <p:ext uri="{BB962C8B-B14F-4D97-AF65-F5344CB8AC3E}">
-        <p14:creationId xmlns:p14="http://schemas.microsoft.com/office/powerpoint/2010/main" xmlns="" val="1443592203"/>
+        <p14:creationId xmlns:p14="http://schemas.microsoft.com/office/powerpoint/2010/main" val="1443592203"/>
       </p:ext>
     </p:extLst>
   </p:cSld>
@@ -10301,7 +10301,7 @@
           <a:p>
             <a:pPr algn="ctr"/>
             <a:r>
-              <a:rPr kumimoji="1" lang="ko-KR" altLang="en-US" sz="1600" dirty="0" smtClean="0">
+              <a:rPr kumimoji="1" lang="ko-KR" altLang="en-US" sz="1600" dirty="0">
                 <a:solidFill>
                   <a:schemeClr val="bg1"/>
                 </a:solidFill>
@@ -10309,7 +10309,7 @@
               <a:t>추가 </a:t>
             </a:r>
             <a:r>
-              <a:rPr kumimoji="1" lang="ko-KR" altLang="en-US" sz="1600" dirty="0" err="1" smtClean="0">
+              <a:rPr kumimoji="1" lang="ko-KR" altLang="en-US" sz="1600" dirty="0" err="1">
                 <a:solidFill>
                   <a:schemeClr val="bg1"/>
                 </a:solidFill>
@@ -10747,14 +10747,14 @@
           <a:p>
             <a:pPr algn="ctr"/>
             <a:r>
-              <a:rPr kumimoji="1" lang="ko-KR" altLang="en-US" dirty="0" err="1" smtClean="0">
+              <a:rPr kumimoji="1" lang="ko-KR" altLang="en-US" dirty="0" err="1">
                 <a:solidFill>
                   <a:schemeClr val="bg1"/>
                 </a:solidFill>
               </a:rPr>
               <a:t>디퍼드</a:t>
             </a:r>
-            <a:endParaRPr kumimoji="1" lang="en-US" altLang="ko-KR" dirty="0" smtClean="0">
+            <a:endParaRPr kumimoji="1" lang="en-US" altLang="ko-KR" dirty="0">
               <a:solidFill>
                 <a:schemeClr val="bg1"/>
               </a:solidFill>
@@ -10763,7 +10763,7 @@
           <a:p>
             <a:pPr algn="ctr"/>
             <a:r>
-              <a:rPr kumimoji="1" lang="ko-KR" altLang="en-US" dirty="0" err="1" smtClean="0">
+              <a:rPr kumimoji="1" lang="ko-KR" altLang="en-US" dirty="0" err="1">
                 <a:solidFill>
                   <a:schemeClr val="bg1"/>
                 </a:solidFill>
@@ -10821,7 +10821,7 @@
           <a:p>
             <a:pPr algn="ctr"/>
             <a:r>
-              <a:rPr kumimoji="1" lang="en-US" altLang="ko-KR" dirty="0" smtClean="0">
+              <a:rPr kumimoji="1" lang="en-US" altLang="ko-KR" dirty="0">
                 <a:solidFill>
                   <a:schemeClr val="bg1"/>
                 </a:solidFill>
@@ -10832,38 +10832,33 @@
           <a:p>
             <a:pPr algn="ctr"/>
             <a:r>
-              <a:rPr kumimoji="1" lang="ko-KR" altLang="en-US" dirty="0" smtClean="0">
+              <a:rPr kumimoji="1" lang="ko-KR" altLang="en-US" dirty="0">
                 <a:solidFill>
                   <a:schemeClr val="bg1"/>
                 </a:solidFill>
               </a:rPr>
               <a:t>관리</a:t>
             </a:r>
-            <a:endParaRPr kumimoji="1" lang="ko-KR" altLang="en-US" dirty="0">
-              <a:solidFill>
-                <a:schemeClr val="bg1"/>
-              </a:solidFill>
-            </a:endParaRPr>
           </a:p>
         </p:txBody>
       </p:sp>
     </p:spTree>
     <p:extLst>
       <p:ext uri="{BB962C8B-B14F-4D97-AF65-F5344CB8AC3E}">
-        <p14:creationId xmlns:p14="http://schemas.microsoft.com/office/powerpoint/2010/main" xmlns="" val="1758201785"/>
+        <p14:creationId xmlns:p14="http://schemas.microsoft.com/office/powerpoint/2010/main" val="1758201785"/>
       </p:ext>
     </p:extLst>
   </p:cSld>
   <p:clrMapOvr>
     <a:masterClrMapping/>
   </p:clrMapOvr>
-  <mc:AlternateContent xmlns:mc="http://schemas.openxmlformats.org/markup-compatibility/2006">
-    <mc:Choice xmlns:p14="http://schemas.microsoft.com/office/powerpoint/2010/main" xmlns="" Requires="p14">
+  <mc:AlternateContent xmlns:mc="http://schemas.openxmlformats.org/markup-compatibility/2006" xmlns:p14="http://schemas.microsoft.com/office/powerpoint/2010/main">
+    <mc:Choice Requires="p14">
       <p:transition spd="slow">
         <p:push/>
       </p:transition>
     </mc:Choice>
-    <mc:Fallback>
+    <mc:Fallback xmlns="">
       <p:transition spd="slow">
         <p:push/>
       </p:transition>
@@ -11334,8 +11329,8 @@
         </p:nvSpPr>
         <p:spPr>
           <a:xfrm>
-            <a:off x="2803021" y="2819084"/>
-            <a:ext cx="1305074" cy="563163"/>
+            <a:off x="3634403" y="2819084"/>
+            <a:ext cx="1673602" cy="563163"/>
           </a:xfrm>
           <a:prstGeom prst="roundRect">
             <a:avLst/>
@@ -11907,7 +11902,7 @@
         </p:nvSpPr>
         <p:spPr>
           <a:xfrm>
-            <a:off x="9206853" y="3494230"/>
+            <a:off x="9706527" y="3499309"/>
             <a:ext cx="831382" cy="563163"/>
           </a:xfrm>
           <a:prstGeom prst="roundRect">
@@ -12130,8 +12125,8 @@
         </p:nvSpPr>
         <p:spPr>
           <a:xfrm>
-            <a:off x="5110647" y="2819083"/>
-            <a:ext cx="1349210" cy="563163"/>
+            <a:off x="5418106" y="2819083"/>
+            <a:ext cx="791276" cy="563163"/>
           </a:xfrm>
           <a:prstGeom prst="roundRect">
             <a:avLst/>
@@ -12183,8 +12178,8 @@
         </p:nvSpPr>
         <p:spPr>
           <a:xfrm>
-            <a:off x="5418106" y="3496311"/>
-            <a:ext cx="1198594" cy="563163"/>
+            <a:off x="6324593" y="3496312"/>
+            <a:ext cx="1168146" cy="563163"/>
           </a:xfrm>
           <a:prstGeom prst="roundRect">
             <a:avLst/>
@@ -12241,7 +12236,7 @@
         </p:nvSpPr>
         <p:spPr>
           <a:xfrm>
-            <a:off x="7911837" y="4120377"/>
+            <a:off x="7392404" y="2819084"/>
             <a:ext cx="792858" cy="563163"/>
           </a:xfrm>
           <a:prstGeom prst="roundRect">
@@ -12299,7 +12294,7 @@
         </p:nvSpPr>
         <p:spPr>
           <a:xfrm>
-            <a:off x="7394023" y="3494229"/>
+            <a:off x="5437947" y="3499309"/>
             <a:ext cx="792858" cy="563163"/>
           </a:xfrm>
           <a:prstGeom prst="roundRect">
@@ -12352,8 +12347,8 @@
         </p:nvSpPr>
         <p:spPr>
           <a:xfrm>
-            <a:off x="8253153" y="3499309"/>
-            <a:ext cx="878013" cy="563163"/>
+            <a:off x="8525350" y="3499309"/>
+            <a:ext cx="1111709" cy="563163"/>
           </a:xfrm>
           <a:prstGeom prst="roundRect">
             <a:avLst/>
@@ -12405,8 +12400,8 @@
         </p:nvSpPr>
         <p:spPr>
           <a:xfrm>
-            <a:off x="6679851" y="3499309"/>
-            <a:ext cx="658963" cy="563163"/>
+            <a:off x="6221817" y="4173539"/>
+            <a:ext cx="627218" cy="563163"/>
           </a:xfrm>
           <a:prstGeom prst="roundRect">
             <a:avLst/>
@@ -12463,8 +12458,8 @@
         </p:nvSpPr>
         <p:spPr>
           <a:xfrm>
-            <a:off x="8525453" y="2869600"/>
-            <a:ext cx="878013" cy="563163"/>
+            <a:off x="8258101" y="2819081"/>
+            <a:ext cx="1378958" cy="563163"/>
           </a:xfrm>
           <a:prstGeom prst="roundRect">
             <a:avLst/>
@@ -12532,7 +12527,7 @@
         </p:nvSpPr>
         <p:spPr>
           <a:xfrm>
-            <a:off x="6569956" y="2819082"/>
+            <a:off x="6282221" y="2819082"/>
             <a:ext cx="1037344" cy="563163"/>
           </a:xfrm>
           <a:prstGeom prst="roundRect">
@@ -12606,7 +12601,7 @@
         </p:nvSpPr>
         <p:spPr>
           <a:xfrm>
-            <a:off x="9725899" y="2869599"/>
+            <a:off x="9712077" y="2806974"/>
             <a:ext cx="1985193" cy="563163"/>
           </a:xfrm>
           <a:prstGeom prst="roundRect">
@@ -12641,18 +12636,13 @@
           <a:p>
             <a:pPr algn="ctr"/>
             <a:r>
-              <a:rPr kumimoji="1" lang="ko-KR" altLang="en-US" sz="1400">
+              <a:rPr kumimoji="1" lang="ko-KR" altLang="en-US" sz="1400" dirty="0">
                 <a:solidFill>
                   <a:schemeClr val="bg1"/>
                 </a:solidFill>
               </a:rPr>
               <a:t>최종 컨텐츠  합성</a:t>
             </a:r>
-            <a:endParaRPr kumimoji="1" lang="ko-KR" altLang="en-US" sz="1400" dirty="0">
-              <a:solidFill>
-                <a:schemeClr val="bg1"/>
-              </a:solidFill>
-            </a:endParaRPr>
           </a:p>
         </p:txBody>
       </p:sp>
@@ -12664,8 +12654,8 @@
         </p:nvSpPr>
         <p:spPr>
           <a:xfrm>
-            <a:off x="6240844" y="4120377"/>
-            <a:ext cx="878013" cy="563163"/>
+            <a:off x="5448554" y="4173539"/>
+            <a:ext cx="683305" cy="563163"/>
           </a:xfrm>
           <a:prstGeom prst="roundRect">
             <a:avLst/>
@@ -12712,7 +12702,7 @@
     </p:spTree>
     <p:extLst>
       <p:ext uri="{BB962C8B-B14F-4D97-AF65-F5344CB8AC3E}">
-        <p14:creationId xmlns:p14="http://schemas.microsoft.com/office/powerpoint/2010/main" xmlns="" val="516771458"/>
+        <p14:creationId xmlns:p14="http://schemas.microsoft.com/office/powerpoint/2010/main" val="516771458"/>
       </p:ext>
     </p:extLst>
   </p:cSld>
@@ -12980,7 +12970,7 @@
   <a:extraClrSchemeLst/>
   <a:extLst>
     <a:ext uri="{05A4C25C-085E-4340-85A3-A5531E510DB2}">
-      <thm15:themeFamily xmlns:thm15="http://schemas.microsoft.com/office/thememl/2012/main" xmlns="" name="Office Theme" id="{62F939B6-93AF-4DB8-9C6B-D6C7DFDC589F}" vid="{4A3C46E8-61CC-4603-A589-7422A47A8E4A}"/>
+      <thm15:themeFamily xmlns:thm15="http://schemas.microsoft.com/office/thememl/2012/main" name="Office Theme" id="{62F939B6-93AF-4DB8-9C6B-D6C7DFDC589F}" vid="{4A3C46E8-61CC-4603-A589-7422A47A8E4A}"/>
     </a:ext>
   </a:extLst>
 </a:theme>
@@ -13241,7 +13231,7 @@
   <a:extraClrSchemeLst/>
   <a:extLst>
     <a:ext uri="{05A4C25C-085E-4340-85A3-A5531E510DB2}">
-      <thm15:themeFamily xmlns:thm15="http://schemas.microsoft.com/office/thememl/2012/main" xmlns="" name="Office Theme" id="{62F939B6-93AF-4DB8-9C6B-D6C7DFDC589F}" vid="{4A3C46E8-61CC-4603-A589-7422A47A8E4A}"/>
+      <thm15:themeFamily xmlns:thm15="http://schemas.microsoft.com/office/thememl/2012/main" name="Office Theme" id="{62F939B6-93AF-4DB8-9C6B-D6C7DFDC589F}" vid="{4A3C46E8-61CC-4603-A589-7422A47A8E4A}"/>
     </a:ext>
   </a:extLst>
 </a:theme>
@@ -13502,7 +13492,7 @@
   <a:extraClrSchemeLst/>
   <a:extLst>
     <a:ext uri="{05A4C25C-085E-4340-85A3-A5531E510DB2}">
-      <thm15:themeFamily xmlns:thm15="http://schemas.microsoft.com/office/thememl/2012/main" xmlns="" name="Office Theme" id="{62F939B6-93AF-4DB8-9C6B-D6C7DFDC589F}" vid="{4A3C46E8-61CC-4603-A589-7422A47A8E4A}"/>
+      <thm15:themeFamily xmlns:thm15="http://schemas.microsoft.com/office/thememl/2012/main" name="Office Theme" id="{62F939B6-93AF-4DB8-9C6B-D6C7DFDC589F}" vid="{4A3C46E8-61CC-4603-A589-7422A47A8E4A}"/>
     </a:ext>
   </a:extLst>
 </a:theme>

--- a/documents/일정표(20170217).pptx
+++ b/documents/일정표(20170217).pptx
@@ -240,7 +240,7 @@
             <a:fld id="{C0784820-E37F-9245-812A-8C2941EBBF6C}" type="datetimeFigureOut">
               <a:rPr kumimoji="1" lang="ko-KR" altLang="en-US" smtClean="0"/>
               <a:pPr/>
-              <a:t>2017-02-22</a:t>
+              <a:t>2017-03-27</a:t>
             </a:fld>
             <a:endParaRPr kumimoji="1" lang="ko-KR" altLang="en-US"/>
           </a:p>
@@ -407,7 +407,7 @@
             <a:fld id="{ABD44343-005F-DA4E-8CE2-D84E76ABEFED}" type="datetimeFigureOut">
               <a:rPr kumimoji="1" lang="ko-KR" altLang="en-US" smtClean="0"/>
               <a:pPr/>
-              <a:t>2017-02-22</a:t>
+              <a:t>2017-03-27</a:t>
             </a:fld>
             <a:endParaRPr kumimoji="1" lang="ko-KR" altLang="en-US"/>
           </a:p>
@@ -975,7 +975,7 @@
             <a:fld id="{9A7BEA77-FCFD-E34F-8955-12C1E82451E3}" type="datetimeFigureOut">
               <a:rPr kumimoji="1" lang="ko-KR" altLang="en-US" smtClean="0"/>
               <a:pPr/>
-              <a:t>2017-02-22</a:t>
+              <a:t>2017-03-27</a:t>
             </a:fld>
             <a:endParaRPr kumimoji="1" lang="ko-KR" altLang="en-US"/>
           </a:p>
@@ -1145,7 +1145,7 @@
             <a:fld id="{9A7BEA77-FCFD-E34F-8955-12C1E82451E3}" type="datetimeFigureOut">
               <a:rPr kumimoji="1" lang="ko-KR" altLang="en-US" smtClean="0"/>
               <a:pPr/>
-              <a:t>2017-02-22</a:t>
+              <a:t>2017-03-27</a:t>
             </a:fld>
             <a:endParaRPr kumimoji="1" lang="ko-KR" altLang="en-US"/>
           </a:p>
@@ -1325,7 +1325,7 @@
             <a:fld id="{9A7BEA77-FCFD-E34F-8955-12C1E82451E3}" type="datetimeFigureOut">
               <a:rPr kumimoji="1" lang="ko-KR" altLang="en-US" smtClean="0"/>
               <a:pPr/>
-              <a:t>2017-02-22</a:t>
+              <a:t>2017-03-27</a:t>
             </a:fld>
             <a:endParaRPr kumimoji="1" lang="ko-KR" altLang="en-US"/>
           </a:p>
@@ -1495,7 +1495,7 @@
             <a:fld id="{9A7BEA77-FCFD-E34F-8955-12C1E82451E3}" type="datetimeFigureOut">
               <a:rPr kumimoji="1" lang="ko-KR" altLang="en-US" smtClean="0"/>
               <a:pPr/>
-              <a:t>2017-02-22</a:t>
+              <a:t>2017-03-27</a:t>
             </a:fld>
             <a:endParaRPr kumimoji="1" lang="ko-KR" altLang="en-US"/>
           </a:p>
@@ -1742,7 +1742,7 @@
             <a:fld id="{9A7BEA77-FCFD-E34F-8955-12C1E82451E3}" type="datetimeFigureOut">
               <a:rPr kumimoji="1" lang="ko-KR" altLang="en-US" smtClean="0"/>
               <a:pPr/>
-              <a:t>2017-02-22</a:t>
+              <a:t>2017-03-27</a:t>
             </a:fld>
             <a:endParaRPr kumimoji="1" lang="ko-KR" altLang="en-US"/>
           </a:p>
@@ -1973,7 +1973,7 @@
             <a:fld id="{9A7BEA77-FCFD-E34F-8955-12C1E82451E3}" type="datetimeFigureOut">
               <a:rPr kumimoji="1" lang="ko-KR" altLang="en-US" smtClean="0"/>
               <a:pPr/>
-              <a:t>2017-02-22</a:t>
+              <a:t>2017-03-27</a:t>
             </a:fld>
             <a:endParaRPr kumimoji="1" lang="ko-KR" altLang="en-US"/>
           </a:p>
@@ -2339,7 +2339,7 @@
             <a:fld id="{9A7BEA77-FCFD-E34F-8955-12C1E82451E3}" type="datetimeFigureOut">
               <a:rPr kumimoji="1" lang="ko-KR" altLang="en-US" smtClean="0"/>
               <a:pPr/>
-              <a:t>2017-02-22</a:t>
+              <a:t>2017-03-27</a:t>
             </a:fld>
             <a:endParaRPr kumimoji="1" lang="ko-KR" altLang="en-US"/>
           </a:p>
@@ -2458,7 +2458,7 @@
             <a:fld id="{9A7BEA77-FCFD-E34F-8955-12C1E82451E3}" type="datetimeFigureOut">
               <a:rPr kumimoji="1" lang="ko-KR" altLang="en-US" smtClean="0"/>
               <a:pPr/>
-              <a:t>2017-02-22</a:t>
+              <a:t>2017-03-27</a:t>
             </a:fld>
             <a:endParaRPr kumimoji="1" lang="ko-KR" altLang="en-US"/>
           </a:p>
@@ -2555,7 +2555,7 @@
             <a:fld id="{9A7BEA77-FCFD-E34F-8955-12C1E82451E3}" type="datetimeFigureOut">
               <a:rPr kumimoji="1" lang="ko-KR" altLang="en-US" smtClean="0"/>
               <a:pPr/>
-              <a:t>2017-02-22</a:t>
+              <a:t>2017-03-27</a:t>
             </a:fld>
             <a:endParaRPr kumimoji="1" lang="ko-KR" altLang="en-US"/>
           </a:p>
@@ -2832,7 +2832,7 @@
             <a:fld id="{9A7BEA77-FCFD-E34F-8955-12C1E82451E3}" type="datetimeFigureOut">
               <a:rPr kumimoji="1" lang="ko-KR" altLang="en-US" smtClean="0"/>
               <a:pPr/>
-              <a:t>2017-02-22</a:t>
+              <a:t>2017-03-27</a:t>
             </a:fld>
             <a:endParaRPr kumimoji="1" lang="ko-KR" altLang="en-US"/>
           </a:p>
@@ -3086,7 +3086,7 @@
             <a:fld id="{9A7BEA77-FCFD-E34F-8955-12C1E82451E3}" type="datetimeFigureOut">
               <a:rPr kumimoji="1" lang="ko-KR" altLang="en-US" smtClean="0"/>
               <a:pPr/>
-              <a:t>2017-02-22</a:t>
+              <a:t>2017-03-27</a:t>
             </a:fld>
             <a:endParaRPr kumimoji="1" lang="ko-KR" altLang="en-US"/>
           </a:p>
@@ -3299,7 +3299,7 @@
             <a:fld id="{9A7BEA77-FCFD-E34F-8955-12C1E82451E3}" type="datetimeFigureOut">
               <a:rPr kumimoji="1" lang="ko-KR" altLang="en-US" smtClean="0"/>
               <a:pPr/>
-              <a:t>2017-02-22</a:t>
+              <a:t>2017-03-27</a:t>
             </a:fld>
             <a:endParaRPr kumimoji="1" lang="ko-KR" altLang="en-US"/>
           </a:p>
@@ -10892,7 +10892,7 @@
         </p:nvSpPr>
         <p:spPr>
           <a:xfrm>
-            <a:off x="0" y="-5080"/>
+            <a:off x="0" y="47593"/>
             <a:ext cx="12192000" cy="6863080"/>
           </a:xfrm>
           <a:prstGeom prst="rect">
@@ -11720,8 +11720,8 @@
         </p:nvSpPr>
         <p:spPr>
           <a:xfrm>
-            <a:off x="2841545" y="3496313"/>
-            <a:ext cx="792858" cy="563163"/>
+            <a:off x="2841544" y="3496313"/>
+            <a:ext cx="1332279" cy="563163"/>
           </a:xfrm>
           <a:prstGeom prst="roundRect">
             <a:avLst/>
@@ -12019,7 +12019,7 @@
         </p:nvSpPr>
         <p:spPr>
           <a:xfrm>
-            <a:off x="3702634" y="3496312"/>
+            <a:off x="4281137" y="3496312"/>
             <a:ext cx="810921" cy="563163"/>
           </a:xfrm>
           <a:prstGeom prst="roundRect">
@@ -12072,7 +12072,7 @@
         </p:nvSpPr>
         <p:spPr>
           <a:xfrm>
-            <a:off x="4569402" y="3499309"/>
+            <a:off x="5199371" y="3499309"/>
             <a:ext cx="792858" cy="563163"/>
           </a:xfrm>
           <a:prstGeom prst="roundRect">
@@ -12125,7 +12125,7 @@
         </p:nvSpPr>
         <p:spPr>
           <a:xfrm>
-            <a:off x="5418106" y="2819083"/>
+            <a:off x="7405384" y="2819084"/>
             <a:ext cx="791276" cy="563163"/>
           </a:xfrm>
           <a:prstGeom prst="roundRect">
@@ -12178,7 +12178,7 @@
         </p:nvSpPr>
         <p:spPr>
           <a:xfrm>
-            <a:off x="6324593" y="3496312"/>
+            <a:off x="7249891" y="3496312"/>
             <a:ext cx="1168146" cy="563163"/>
           </a:xfrm>
           <a:prstGeom prst="roundRect">
@@ -12236,7 +12236,7 @@
         </p:nvSpPr>
         <p:spPr>
           <a:xfrm>
-            <a:off x="7392404" y="2819084"/>
+            <a:off x="6521970" y="2806972"/>
             <a:ext cx="792858" cy="563163"/>
           </a:xfrm>
           <a:prstGeom prst="roundRect">
@@ -12294,7 +12294,7 @@
         </p:nvSpPr>
         <p:spPr>
           <a:xfrm>
-            <a:off x="5437947" y="3499309"/>
+            <a:off x="6349720" y="3499309"/>
             <a:ext cx="792858" cy="563163"/>
           </a:xfrm>
           <a:prstGeom prst="roundRect">
@@ -12400,7 +12400,7 @@
         </p:nvSpPr>
         <p:spPr>
           <a:xfrm>
-            <a:off x="6221817" y="4173539"/>
+            <a:off x="7001219" y="4173538"/>
             <a:ext cx="627218" cy="563163"/>
           </a:xfrm>
           <a:prstGeom prst="roundRect">
@@ -12527,7 +12527,7 @@
         </p:nvSpPr>
         <p:spPr>
           <a:xfrm>
-            <a:off x="6282221" y="2819082"/>
+            <a:off x="5396443" y="2806973"/>
             <a:ext cx="1037344" cy="563163"/>
           </a:xfrm>
           <a:prstGeom prst="roundRect">
@@ -12654,7 +12654,7 @@
         </p:nvSpPr>
         <p:spPr>
           <a:xfrm>
-            <a:off x="5448554" y="4173539"/>
+            <a:off x="6237426" y="4168972"/>
             <a:ext cx="683305" cy="563163"/>
           </a:xfrm>
           <a:prstGeom prst="roundRect">

--- a/documents/일정표(20170217).pptx
+++ b/documents/일정표(20170217).pptx
@@ -8212,7 +8212,7 @@
           <a:p>
             <a:pPr algn="ctr"/>
             <a:r>
-              <a:rPr kumimoji="1" lang="en-US" altLang="ko-KR" sz="1400">
+              <a:rPr kumimoji="1" lang="en-US" altLang="ko-KR" sz="1400" dirty="0">
                 <a:solidFill>
                   <a:schemeClr val="bg1"/>
                 </a:solidFill>
@@ -12167,64 +12167,6 @@
               </a:rPr>
               <a:t>스킬</a:t>
             </a:r>
-          </a:p>
-        </p:txBody>
-      </p:sp>
-      <p:sp>
-        <p:nvSpPr>
-          <p:cNvPr id="39" name="모서리가 둥근 직사각형 24"/>
-          <p:cNvSpPr/>
-          <p:nvPr/>
-        </p:nvSpPr>
-        <p:spPr>
-          <a:xfrm>
-            <a:off x="7249891" y="3496312"/>
-            <a:ext cx="1168146" cy="563163"/>
-          </a:xfrm>
-          <a:prstGeom prst="roundRect">
-            <a:avLst/>
-          </a:prstGeom>
-          <a:solidFill>
-            <a:srgbClr val="00B0F0"/>
-          </a:solidFill>
-          <a:ln>
-            <a:noFill/>
-          </a:ln>
-        </p:spPr>
-        <p:style>
-          <a:lnRef idx="2">
-            <a:schemeClr val="accent1">
-              <a:shade val="50000"/>
-            </a:schemeClr>
-          </a:lnRef>
-          <a:fillRef idx="1">
-            <a:schemeClr val="accent1"/>
-          </a:fillRef>
-          <a:effectRef idx="0">
-            <a:schemeClr val="accent1"/>
-          </a:effectRef>
-          <a:fontRef idx="minor">
-            <a:schemeClr val="lt1"/>
-          </a:fontRef>
-        </p:style>
-        <p:txBody>
-          <a:bodyPr rtlCol="0" anchor="ctr"/>
-          <a:lstStyle/>
-          <a:p>
-            <a:pPr algn="ctr"/>
-            <a:r>
-              <a:rPr kumimoji="1" lang="en-US" altLang="ko-KR" sz="1600" dirty="0">
-                <a:solidFill>
-                  <a:schemeClr val="bg1"/>
-                </a:solidFill>
-              </a:rPr>
-              <a:t>AI</a:t>
-            </a:r>
-            <a:endParaRPr kumimoji="1" lang="ko-KR" altLang="en-US" sz="1600" dirty="0">
-              <a:solidFill>
-                <a:schemeClr val="bg1"/>
-              </a:solidFill>
-            </a:endParaRPr>
           </a:p>
         </p:txBody>
       </p:sp>

--- a/documents/일정표(20170217).pptx
+++ b/documents/일정표(20170217).pptx
@@ -116,7 +116,7 @@
   </p:defaultTextStyle>
   <p:extLst>
     <p:ext uri="{EFAFB233-063F-42B5-8137-9DF3F51BA10A}">
-      <p15:sldGuideLst xmlns:p15="http://schemas.microsoft.com/office/powerpoint/2012/main">
+      <p15:sldGuideLst xmlns:p15="http://schemas.microsoft.com/office/powerpoint/2012/main" xmlns="">
         <p15:guide id="1" orient="horz" pos="2160" userDrawn="1">
           <p15:clr>
             <a:srgbClr val="A4A3A4"/>
@@ -130,7 +130,7 @@
       </p15:sldGuideLst>
     </p:ext>
     <p:ext uri="{2D200454-40CA-4A62-9FC3-DE9A4176ACB9}">
-      <p15:notesGuideLst xmlns:p15="http://schemas.microsoft.com/office/powerpoint/2012/main">
+      <p15:notesGuideLst xmlns:p15="http://schemas.microsoft.com/office/powerpoint/2012/main" xmlns="">
         <p15:guide id="1" orient="horz" pos="2880" userDrawn="1">
           <p15:clr>
             <a:srgbClr val="A4A3A4"/>
@@ -240,7 +240,7 @@
             <a:fld id="{C0784820-E37F-9245-812A-8C2941EBBF6C}" type="datetimeFigureOut">
               <a:rPr kumimoji="1" lang="ko-KR" altLang="en-US" smtClean="0"/>
               <a:pPr/>
-              <a:t>2017-03-27</a:t>
+              <a:t>2017-03-29</a:t>
             </a:fld>
             <a:endParaRPr kumimoji="1" lang="ko-KR" altLang="en-US"/>
           </a:p>
@@ -316,7 +316,7 @@
     </p:spTree>
     <p:extLst>
       <p:ext uri="{BB962C8B-B14F-4D97-AF65-F5344CB8AC3E}">
-        <p14:creationId xmlns:p14="http://schemas.microsoft.com/office/powerpoint/2010/main" val="1346057156"/>
+        <p14:creationId xmlns:p14="http://schemas.microsoft.com/office/powerpoint/2010/main" xmlns="" val="1346057156"/>
       </p:ext>
     </p:extLst>
   </p:cSld>
@@ -407,7 +407,7 @@
             <a:fld id="{ABD44343-005F-DA4E-8CE2-D84E76ABEFED}" type="datetimeFigureOut">
               <a:rPr kumimoji="1" lang="ko-KR" altLang="en-US" smtClean="0"/>
               <a:pPr/>
-              <a:t>2017-03-27</a:t>
+              <a:t>2017-03-29</a:t>
             </a:fld>
             <a:endParaRPr kumimoji="1" lang="ko-KR" altLang="en-US"/>
           </a:p>
@@ -575,7 +575,7 @@
     </p:spTree>
     <p:extLst>
       <p:ext uri="{BB962C8B-B14F-4D97-AF65-F5344CB8AC3E}">
-        <p14:creationId xmlns:p14="http://schemas.microsoft.com/office/powerpoint/2010/main" val="1183702078"/>
+        <p14:creationId xmlns:p14="http://schemas.microsoft.com/office/powerpoint/2010/main" xmlns="" val="1183702078"/>
       </p:ext>
     </p:extLst>
   </p:cSld>
@@ -750,7 +750,7 @@
     </p:spTree>
     <p:extLst>
       <p:ext uri="{BB962C8B-B14F-4D97-AF65-F5344CB8AC3E}">
-        <p14:creationId xmlns:p14="http://schemas.microsoft.com/office/powerpoint/2010/main" val="704854212"/>
+        <p14:creationId xmlns:p14="http://schemas.microsoft.com/office/powerpoint/2010/main" xmlns="" val="704854212"/>
       </p:ext>
     </p:extLst>
   </p:cSld>
@@ -835,7 +835,7 @@
     </p:spTree>
     <p:extLst>
       <p:ext uri="{BB962C8B-B14F-4D97-AF65-F5344CB8AC3E}">
-        <p14:creationId xmlns:p14="http://schemas.microsoft.com/office/powerpoint/2010/main" val="3731061897"/>
+        <p14:creationId xmlns:p14="http://schemas.microsoft.com/office/powerpoint/2010/main" xmlns="" val="3731061897"/>
       </p:ext>
     </p:extLst>
   </p:cSld>
@@ -975,7 +975,7 @@
             <a:fld id="{9A7BEA77-FCFD-E34F-8955-12C1E82451E3}" type="datetimeFigureOut">
               <a:rPr kumimoji="1" lang="ko-KR" altLang="en-US" smtClean="0"/>
               <a:pPr/>
-              <a:t>2017-03-27</a:t>
+              <a:t>2017-03-29</a:t>
             </a:fld>
             <a:endParaRPr kumimoji="1" lang="ko-KR" altLang="en-US"/>
           </a:p>
@@ -1027,7 +1027,7 @@
     </p:spTree>
     <p:extLst>
       <p:ext uri="{BB962C8B-B14F-4D97-AF65-F5344CB8AC3E}">
-        <p14:creationId xmlns:p14="http://schemas.microsoft.com/office/powerpoint/2010/main" val="1830675243"/>
+        <p14:creationId xmlns:p14="http://schemas.microsoft.com/office/powerpoint/2010/main" xmlns="" val="1830675243"/>
       </p:ext>
     </p:extLst>
   </p:cSld>
@@ -1145,7 +1145,7 @@
             <a:fld id="{9A7BEA77-FCFD-E34F-8955-12C1E82451E3}" type="datetimeFigureOut">
               <a:rPr kumimoji="1" lang="ko-KR" altLang="en-US" smtClean="0"/>
               <a:pPr/>
-              <a:t>2017-03-27</a:t>
+              <a:t>2017-03-29</a:t>
             </a:fld>
             <a:endParaRPr kumimoji="1" lang="ko-KR" altLang="en-US"/>
           </a:p>
@@ -1197,7 +1197,7 @@
     </p:spTree>
     <p:extLst>
       <p:ext uri="{BB962C8B-B14F-4D97-AF65-F5344CB8AC3E}">
-        <p14:creationId xmlns:p14="http://schemas.microsoft.com/office/powerpoint/2010/main" val="456422572"/>
+        <p14:creationId xmlns:p14="http://schemas.microsoft.com/office/powerpoint/2010/main" xmlns="" val="456422572"/>
       </p:ext>
     </p:extLst>
   </p:cSld>
@@ -1325,7 +1325,7 @@
             <a:fld id="{9A7BEA77-FCFD-E34F-8955-12C1E82451E3}" type="datetimeFigureOut">
               <a:rPr kumimoji="1" lang="ko-KR" altLang="en-US" smtClean="0"/>
               <a:pPr/>
-              <a:t>2017-03-27</a:t>
+              <a:t>2017-03-29</a:t>
             </a:fld>
             <a:endParaRPr kumimoji="1" lang="ko-KR" altLang="en-US"/>
           </a:p>
@@ -1377,7 +1377,7 @@
     </p:spTree>
     <p:extLst>
       <p:ext uri="{BB962C8B-B14F-4D97-AF65-F5344CB8AC3E}">
-        <p14:creationId xmlns:p14="http://schemas.microsoft.com/office/powerpoint/2010/main" val="282580520"/>
+        <p14:creationId xmlns:p14="http://schemas.microsoft.com/office/powerpoint/2010/main" xmlns="" val="282580520"/>
       </p:ext>
     </p:extLst>
   </p:cSld>
@@ -1495,7 +1495,7 @@
             <a:fld id="{9A7BEA77-FCFD-E34F-8955-12C1E82451E3}" type="datetimeFigureOut">
               <a:rPr kumimoji="1" lang="ko-KR" altLang="en-US" smtClean="0"/>
               <a:pPr/>
-              <a:t>2017-03-27</a:t>
+              <a:t>2017-03-29</a:t>
             </a:fld>
             <a:endParaRPr kumimoji="1" lang="ko-KR" altLang="en-US"/>
           </a:p>
@@ -1547,7 +1547,7 @@
     </p:spTree>
     <p:extLst>
       <p:ext uri="{BB962C8B-B14F-4D97-AF65-F5344CB8AC3E}">
-        <p14:creationId xmlns:p14="http://schemas.microsoft.com/office/powerpoint/2010/main" val="796188794"/>
+        <p14:creationId xmlns:p14="http://schemas.microsoft.com/office/powerpoint/2010/main" xmlns="" val="796188794"/>
       </p:ext>
     </p:extLst>
   </p:cSld>
@@ -1742,7 +1742,7 @@
             <a:fld id="{9A7BEA77-FCFD-E34F-8955-12C1E82451E3}" type="datetimeFigureOut">
               <a:rPr kumimoji="1" lang="ko-KR" altLang="en-US" smtClean="0"/>
               <a:pPr/>
-              <a:t>2017-03-27</a:t>
+              <a:t>2017-03-29</a:t>
             </a:fld>
             <a:endParaRPr kumimoji="1" lang="ko-KR" altLang="en-US"/>
           </a:p>
@@ -1794,7 +1794,7 @@
     </p:spTree>
     <p:extLst>
       <p:ext uri="{BB962C8B-B14F-4D97-AF65-F5344CB8AC3E}">
-        <p14:creationId xmlns:p14="http://schemas.microsoft.com/office/powerpoint/2010/main" val="574456301"/>
+        <p14:creationId xmlns:p14="http://schemas.microsoft.com/office/powerpoint/2010/main" xmlns="" val="574456301"/>
       </p:ext>
     </p:extLst>
   </p:cSld>
@@ -1973,7 +1973,7 @@
             <a:fld id="{9A7BEA77-FCFD-E34F-8955-12C1E82451E3}" type="datetimeFigureOut">
               <a:rPr kumimoji="1" lang="ko-KR" altLang="en-US" smtClean="0"/>
               <a:pPr/>
-              <a:t>2017-03-27</a:t>
+              <a:t>2017-03-29</a:t>
             </a:fld>
             <a:endParaRPr kumimoji="1" lang="ko-KR" altLang="en-US"/>
           </a:p>
@@ -2025,7 +2025,7 @@
     </p:spTree>
     <p:extLst>
       <p:ext uri="{BB962C8B-B14F-4D97-AF65-F5344CB8AC3E}">
-        <p14:creationId xmlns:p14="http://schemas.microsoft.com/office/powerpoint/2010/main" val="1948057642"/>
+        <p14:creationId xmlns:p14="http://schemas.microsoft.com/office/powerpoint/2010/main" xmlns="" val="1948057642"/>
       </p:ext>
     </p:extLst>
   </p:cSld>
@@ -2339,7 +2339,7 @@
             <a:fld id="{9A7BEA77-FCFD-E34F-8955-12C1E82451E3}" type="datetimeFigureOut">
               <a:rPr kumimoji="1" lang="ko-KR" altLang="en-US" smtClean="0"/>
               <a:pPr/>
-              <a:t>2017-03-27</a:t>
+              <a:t>2017-03-29</a:t>
             </a:fld>
             <a:endParaRPr kumimoji="1" lang="ko-KR" altLang="en-US"/>
           </a:p>
@@ -2391,7 +2391,7 @@
     </p:spTree>
     <p:extLst>
       <p:ext uri="{BB962C8B-B14F-4D97-AF65-F5344CB8AC3E}">
-        <p14:creationId xmlns:p14="http://schemas.microsoft.com/office/powerpoint/2010/main" val="469106932"/>
+        <p14:creationId xmlns:p14="http://schemas.microsoft.com/office/powerpoint/2010/main" xmlns="" val="469106932"/>
       </p:ext>
     </p:extLst>
   </p:cSld>
@@ -2458,7 +2458,7 @@
             <a:fld id="{9A7BEA77-FCFD-E34F-8955-12C1E82451E3}" type="datetimeFigureOut">
               <a:rPr kumimoji="1" lang="ko-KR" altLang="en-US" smtClean="0"/>
               <a:pPr/>
-              <a:t>2017-03-27</a:t>
+              <a:t>2017-03-29</a:t>
             </a:fld>
             <a:endParaRPr kumimoji="1" lang="ko-KR" altLang="en-US"/>
           </a:p>
@@ -2510,7 +2510,7 @@
     </p:spTree>
     <p:extLst>
       <p:ext uri="{BB962C8B-B14F-4D97-AF65-F5344CB8AC3E}">
-        <p14:creationId xmlns:p14="http://schemas.microsoft.com/office/powerpoint/2010/main" val="867737987"/>
+        <p14:creationId xmlns:p14="http://schemas.microsoft.com/office/powerpoint/2010/main" xmlns="" val="867737987"/>
       </p:ext>
     </p:extLst>
   </p:cSld>
@@ -2555,7 +2555,7 @@
             <a:fld id="{9A7BEA77-FCFD-E34F-8955-12C1E82451E3}" type="datetimeFigureOut">
               <a:rPr kumimoji="1" lang="ko-KR" altLang="en-US" smtClean="0"/>
               <a:pPr/>
-              <a:t>2017-03-27</a:t>
+              <a:t>2017-03-29</a:t>
             </a:fld>
             <a:endParaRPr kumimoji="1" lang="ko-KR" altLang="en-US"/>
           </a:p>
@@ -2607,7 +2607,7 @@
     </p:spTree>
     <p:extLst>
       <p:ext uri="{BB962C8B-B14F-4D97-AF65-F5344CB8AC3E}">
-        <p14:creationId xmlns:p14="http://schemas.microsoft.com/office/powerpoint/2010/main" val="510900732"/>
+        <p14:creationId xmlns:p14="http://schemas.microsoft.com/office/powerpoint/2010/main" xmlns="" val="510900732"/>
       </p:ext>
     </p:extLst>
   </p:cSld>
@@ -2832,7 +2832,7 @@
             <a:fld id="{9A7BEA77-FCFD-E34F-8955-12C1E82451E3}" type="datetimeFigureOut">
               <a:rPr kumimoji="1" lang="ko-KR" altLang="en-US" smtClean="0"/>
               <a:pPr/>
-              <a:t>2017-03-27</a:t>
+              <a:t>2017-03-29</a:t>
             </a:fld>
             <a:endParaRPr kumimoji="1" lang="ko-KR" altLang="en-US"/>
           </a:p>
@@ -2884,7 +2884,7 @@
     </p:spTree>
     <p:extLst>
       <p:ext uri="{BB962C8B-B14F-4D97-AF65-F5344CB8AC3E}">
-        <p14:creationId xmlns:p14="http://schemas.microsoft.com/office/powerpoint/2010/main" val="1068982018"/>
+        <p14:creationId xmlns:p14="http://schemas.microsoft.com/office/powerpoint/2010/main" xmlns="" val="1068982018"/>
       </p:ext>
     </p:extLst>
   </p:cSld>
@@ -3086,7 +3086,7 @@
             <a:fld id="{9A7BEA77-FCFD-E34F-8955-12C1E82451E3}" type="datetimeFigureOut">
               <a:rPr kumimoji="1" lang="ko-KR" altLang="en-US" smtClean="0"/>
               <a:pPr/>
-              <a:t>2017-03-27</a:t>
+              <a:t>2017-03-29</a:t>
             </a:fld>
             <a:endParaRPr kumimoji="1" lang="ko-KR" altLang="en-US"/>
           </a:p>
@@ -3138,7 +3138,7 @@
     </p:spTree>
     <p:extLst>
       <p:ext uri="{BB962C8B-B14F-4D97-AF65-F5344CB8AC3E}">
-        <p14:creationId xmlns:p14="http://schemas.microsoft.com/office/powerpoint/2010/main" val="532585724"/>
+        <p14:creationId xmlns:p14="http://schemas.microsoft.com/office/powerpoint/2010/main" xmlns="" val="532585724"/>
       </p:ext>
     </p:extLst>
   </p:cSld>
@@ -3299,7 +3299,7 @@
             <a:fld id="{9A7BEA77-FCFD-E34F-8955-12C1E82451E3}" type="datetimeFigureOut">
               <a:rPr kumimoji="1" lang="ko-KR" altLang="en-US" smtClean="0"/>
               <a:pPr/>
-              <a:t>2017-03-27</a:t>
+              <a:t>2017-03-29</a:t>
             </a:fld>
             <a:endParaRPr kumimoji="1" lang="ko-KR" altLang="en-US"/>
           </a:p>
@@ -3396,7 +3396,7 @@
           <a:blip r:embed="rId13" cstate="email">
             <a:extLst>
               <a:ext uri="{28A0092B-C50C-407E-A947-70E740481C1C}">
-                <a14:useLocalDpi xmlns:a14="http://schemas.microsoft.com/office/drawing/2010/main"/>
+                <a14:useLocalDpi xmlns:a14="http://schemas.microsoft.com/office/drawing/2010/main" xmlns=""/>
               </a:ext>
             </a:extLst>
           </a:blip>
@@ -3417,7 +3417,7 @@
     </p:spTree>
     <p:extLst>
       <p:ext uri="{BB962C8B-B14F-4D97-AF65-F5344CB8AC3E}">
-        <p14:creationId xmlns:p14="http://schemas.microsoft.com/office/powerpoint/2010/main" val="870627522"/>
+        <p14:creationId xmlns:p14="http://schemas.microsoft.com/office/powerpoint/2010/main" xmlns="" val="870627522"/>
       </p:ext>
     </p:extLst>
   </p:cSld>
@@ -5073,7 +5073,7 @@
     </p:spTree>
     <p:extLst>
       <p:ext uri="{BB962C8B-B14F-4D97-AF65-F5344CB8AC3E}">
-        <p14:creationId xmlns:p14="http://schemas.microsoft.com/office/powerpoint/2010/main" val="771827545"/>
+        <p14:creationId xmlns:p14="http://schemas.microsoft.com/office/powerpoint/2010/main" xmlns="" val="771827545"/>
       </p:ext>
     </p:extLst>
   </p:cSld>
@@ -5083,8 +5083,8 @@
   <p:transition spd="slow">
     <p:push dir="u"/>
   </p:transition>
-  <mc:AlternateContent xmlns:mc="http://schemas.openxmlformats.org/markup-compatibility/2006" xmlns:p14="http://schemas.microsoft.com/office/powerpoint/2010/main">
-    <mc:Choice Requires="p14">
+  <mc:AlternateContent xmlns:mc="http://schemas.openxmlformats.org/markup-compatibility/2006">
+    <mc:Choice xmlns:p14="http://schemas.microsoft.com/office/powerpoint/2010/main" xmlns="" Requires="p14">
       <p:timing>
         <p:tnLst>
           <p:par>
@@ -5210,7 +5210,7 @@
         </p:tnLst>
       </p:timing>
     </mc:Choice>
-    <mc:Fallback xmlns="">
+    <mc:Fallback>
       <p:timing>
         <p:tnLst>
           <p:par>
@@ -8230,7 +8230,7 @@
     </p:spTree>
     <p:extLst>
       <p:ext uri="{BB962C8B-B14F-4D97-AF65-F5344CB8AC3E}">
-        <p14:creationId xmlns:p14="http://schemas.microsoft.com/office/powerpoint/2010/main" val="50008626"/>
+        <p14:creationId xmlns:p14="http://schemas.microsoft.com/office/powerpoint/2010/main" xmlns="" val="50008626"/>
       </p:ext>
     </p:extLst>
   </p:cSld>
@@ -9454,7 +9454,7 @@
     </p:spTree>
     <p:extLst>
       <p:ext uri="{BB962C8B-B14F-4D97-AF65-F5344CB8AC3E}">
-        <p14:creationId xmlns:p14="http://schemas.microsoft.com/office/powerpoint/2010/main" val="1443592203"/>
+        <p14:creationId xmlns:p14="http://schemas.microsoft.com/office/powerpoint/2010/main" xmlns="" val="1443592203"/>
       </p:ext>
     </p:extLst>
   </p:cSld>
@@ -10266,8 +10266,8 @@
         </p:nvSpPr>
         <p:spPr>
           <a:xfrm>
-            <a:off x="8249920" y="5518150"/>
-            <a:ext cx="2629534" cy="455930"/>
+            <a:off x="8571865" y="5615305"/>
+            <a:ext cx="1985010" cy="455930"/>
           </a:xfrm>
           <a:prstGeom prst="roundRect">
             <a:avLst/>
@@ -10301,12 +10301,12 @@
           <a:p>
             <a:pPr algn="ctr"/>
             <a:r>
-              <a:rPr kumimoji="1" lang="ko-KR" altLang="en-US" sz="1600" dirty="0">
+              <a:rPr kumimoji="1" lang="ko-KR" altLang="en-US" sz="1600" dirty="0" smtClean="0">
                 <a:solidFill>
                   <a:schemeClr val="bg1"/>
                 </a:solidFill>
               </a:rPr>
-              <a:t>추가 </a:t>
+              <a:t>포워드 </a:t>
             </a:r>
             <a:r>
               <a:rPr kumimoji="1" lang="ko-KR" altLang="en-US" sz="1600" dirty="0" err="1">
@@ -10332,8 +10332,8 @@
         </p:nvSpPr>
         <p:spPr>
           <a:xfrm>
-            <a:off x="10879454" y="6104255"/>
-            <a:ext cx="1007746" cy="455930"/>
+            <a:off x="3956686" y="6265546"/>
+            <a:ext cx="7753984" cy="455930"/>
           </a:xfrm>
           <a:prstGeom prst="roundRect">
             <a:avLst/>
@@ -10392,8 +10392,8 @@
         </p:nvSpPr>
         <p:spPr>
           <a:xfrm>
-            <a:off x="4787900" y="2076226"/>
-            <a:ext cx="1022350" cy="455930"/>
+            <a:off x="3956685" y="2578731"/>
+            <a:ext cx="831215" cy="455930"/>
           </a:xfrm>
           <a:prstGeom prst="roundRect">
             <a:avLst/>
@@ -10427,14 +10427,30 @@
           <a:p>
             <a:pPr algn="ctr"/>
             <a:r>
-              <a:rPr kumimoji="1" lang="ko-KR" altLang="en-US" dirty="0" err="1">
+              <a:rPr kumimoji="1" lang="ko-KR" altLang="en-US" sz="1100" dirty="0" err="1" smtClean="0">
                 <a:solidFill>
                   <a:schemeClr val="bg1"/>
                 </a:solidFill>
               </a:rPr>
-              <a:t>라이팅</a:t>
-            </a:r>
-            <a:endParaRPr kumimoji="1" lang="ko-KR" altLang="en-US" dirty="0">
+              <a:t>디렉셔널</a:t>
+            </a:r>
+            <a:r>
+              <a:rPr kumimoji="1" lang="ko-KR" altLang="en-US" sz="1100" dirty="0" smtClean="0">
+                <a:solidFill>
+                  <a:schemeClr val="bg1"/>
+                </a:solidFill>
+              </a:rPr>
+              <a:t> </a:t>
+            </a:r>
+            <a:r>
+              <a:rPr kumimoji="1" lang="ko-KR" altLang="en-US" sz="1100" dirty="0" err="1" smtClean="0">
+                <a:solidFill>
+                  <a:schemeClr val="bg1"/>
+                </a:solidFill>
+              </a:rPr>
+              <a:t>라이트</a:t>
+            </a:r>
+            <a:endParaRPr kumimoji="1" lang="ko-KR" altLang="en-US" sz="1100" dirty="0">
               <a:solidFill>
                 <a:schemeClr val="bg1"/>
               </a:solidFill>
@@ -10450,8 +10466,8 @@
         </p:nvSpPr>
         <p:spPr>
           <a:xfrm>
-            <a:off x="4787265" y="2667896"/>
-            <a:ext cx="1022985" cy="930275"/>
+            <a:off x="2802890" y="1984002"/>
+            <a:ext cx="831215" cy="455930"/>
           </a:xfrm>
           <a:prstGeom prst="roundRect">
             <a:avLst/>
@@ -10499,16 +10515,36 @@
               <a:buNone/>
             </a:pPr>
             <a:r>
-              <a:rPr lang="en-US" altLang="ko-KR" sz="1600" b="0" cap="none" dirty="0">
+              <a:rPr lang="ko-KR" altLang="en-US" sz="1400" b="0" cap="none" dirty="0" err="1" smtClean="0">
                 <a:solidFill>
                   <a:schemeClr val="bg1"/>
                 </a:solidFill>
                 <a:latin typeface="맑은 고딕" charset="0"/>
                 <a:ea typeface="맑은 고딕" charset="0"/>
               </a:rPr>
-              <a:t>디퓨즈</a:t>
-            </a:r>
-            <a:endParaRPr lang="ko-KR" altLang="en-US" sz="1600" b="0" cap="none" dirty="0">
+              <a:t>앰비언트</a:t>
+            </a:r>
+            <a:r>
+              <a:rPr lang="ko-KR" altLang="en-US" sz="1400" b="0" cap="none" dirty="0" smtClean="0">
+                <a:solidFill>
+                  <a:schemeClr val="bg1"/>
+                </a:solidFill>
+                <a:latin typeface="맑은 고딕" charset="0"/>
+                <a:ea typeface="맑은 고딕" charset="0"/>
+              </a:rPr>
+              <a:t> </a:t>
+            </a:r>
+            <a:r>
+              <a:rPr lang="ko-KR" altLang="en-US" sz="1400" b="0" cap="none" dirty="0" err="1" smtClean="0">
+                <a:solidFill>
+                  <a:schemeClr val="bg1"/>
+                </a:solidFill>
+                <a:latin typeface="맑은 고딕" charset="0"/>
+                <a:ea typeface="맑은 고딕" charset="0"/>
+              </a:rPr>
+              <a:t>라이트</a:t>
+            </a:r>
+            <a:endParaRPr lang="ko-KR" altLang="en-US" sz="1400" b="0" cap="none" dirty="0">
               <a:solidFill>
                 <a:schemeClr val="bg1"/>
               </a:solidFill>
@@ -10516,6 +10552,438 @@
               <a:ea typeface="맑은 고딕" charset="0"/>
             </a:endParaRPr>
           </a:p>
+        </p:txBody>
+      </p:sp>
+      <p:sp>
+        <p:nvSpPr>
+          <p:cNvPr id="28" name="모서리가 둥근 직사각형 27"/>
+          <p:cNvSpPr/>
+          <p:nvPr/>
+        </p:nvSpPr>
+        <p:spPr>
+          <a:xfrm>
+            <a:off x="5110480" y="3142241"/>
+            <a:ext cx="831215" cy="455930"/>
+          </a:xfrm>
+          <a:prstGeom prst="roundRect">
+            <a:avLst/>
+          </a:prstGeom>
+          <a:solidFill>
+            <a:srgbClr val="00B0F0"/>
+          </a:solidFill>
+          <a:ln>
+            <a:noFill/>
+          </a:ln>
+        </p:spPr>
+        <p:style>
+          <a:lnRef idx="2">
+            <a:schemeClr val="accent1">
+              <a:shade val="50000"/>
+            </a:schemeClr>
+          </a:lnRef>
+          <a:fillRef idx="1">
+            <a:schemeClr val="accent1"/>
+          </a:fillRef>
+          <a:effectRef idx="0">
+            <a:schemeClr val="accent1"/>
+          </a:effectRef>
+          <a:fontRef idx="minor">
+            <a:schemeClr val="lt1"/>
+          </a:fontRef>
+        </p:style>
+        <p:txBody>
+          <a:bodyPr rtlCol="0" anchor="ctr"/>
+          <a:lstStyle/>
+          <a:p>
+            <a:pPr algn="ctr"/>
+            <a:r>
+              <a:rPr kumimoji="1" lang="ko-KR" altLang="en-US" sz="1400" dirty="0" smtClean="0">
+                <a:solidFill>
+                  <a:schemeClr val="bg1"/>
+                </a:solidFill>
+              </a:rPr>
+              <a:t>툰 명암</a:t>
+            </a:r>
+            <a:endParaRPr kumimoji="1" lang="ko-KR" altLang="en-US" sz="1400" dirty="0">
+              <a:solidFill>
+                <a:schemeClr val="bg1"/>
+              </a:solidFill>
+            </a:endParaRPr>
+          </a:p>
+        </p:txBody>
+      </p:sp>
+      <p:sp>
+        <p:nvSpPr>
+          <p:cNvPr id="29" name="모서리가 둥근 직사각형 28"/>
+          <p:cNvSpPr/>
+          <p:nvPr/>
+        </p:nvSpPr>
+        <p:spPr>
+          <a:xfrm>
+            <a:off x="7418070" y="1984002"/>
+            <a:ext cx="1985010" cy="455930"/>
+          </a:xfrm>
+          <a:prstGeom prst="roundRect">
+            <a:avLst/>
+          </a:prstGeom>
+          <a:solidFill>
+            <a:srgbClr val="00B0F0"/>
+          </a:solidFill>
+          <a:ln>
+            <a:noFill/>
+          </a:ln>
+        </p:spPr>
+        <p:style>
+          <a:lnRef idx="2">
+            <a:schemeClr val="accent1">
+              <a:shade val="50000"/>
+            </a:schemeClr>
+          </a:lnRef>
+          <a:fillRef idx="1">
+            <a:schemeClr val="accent1"/>
+          </a:fillRef>
+          <a:effectRef idx="0">
+            <a:schemeClr val="accent1"/>
+          </a:effectRef>
+          <a:fontRef idx="minor">
+            <a:schemeClr val="lt1"/>
+          </a:fontRef>
+        </p:style>
+        <p:txBody>
+          <a:bodyPr rtlCol="0" anchor="ctr"/>
+          <a:lstStyle/>
+          <a:p>
+            <a:pPr algn="ctr"/>
+            <a:r>
+              <a:rPr kumimoji="1" lang="ko-KR" altLang="en-US" sz="1400" dirty="0" err="1" smtClean="0">
+                <a:solidFill>
+                  <a:schemeClr val="bg1"/>
+                </a:solidFill>
+              </a:rPr>
+              <a:t>쉐도우</a:t>
+            </a:r>
+            <a:r>
+              <a:rPr kumimoji="1" lang="en-US" altLang="ko-KR" sz="1400" dirty="0" smtClean="0">
+                <a:solidFill>
+                  <a:schemeClr val="bg1"/>
+                </a:solidFill>
+              </a:rPr>
+              <a:t> </a:t>
+            </a:r>
+            <a:r>
+              <a:rPr kumimoji="1" lang="ko-KR" altLang="en-US" sz="1400" dirty="0" err="1" smtClean="0">
+                <a:solidFill>
+                  <a:schemeClr val="bg1"/>
+                </a:solidFill>
+              </a:rPr>
+              <a:t>매핑</a:t>
+            </a:r>
+            <a:endParaRPr kumimoji="1" lang="ko-KR" altLang="en-US" sz="1400" dirty="0">
+              <a:solidFill>
+                <a:schemeClr val="bg1"/>
+              </a:solidFill>
+            </a:endParaRPr>
+          </a:p>
+        </p:txBody>
+      </p:sp>
+      <p:sp>
+        <p:nvSpPr>
+          <p:cNvPr id="31" name="모서리가 둥근 직사각형 30"/>
+          <p:cNvSpPr/>
+          <p:nvPr/>
+        </p:nvSpPr>
+        <p:spPr>
+          <a:xfrm>
+            <a:off x="3956686" y="4931410"/>
+            <a:ext cx="5446393" cy="455930"/>
+          </a:xfrm>
+          <a:prstGeom prst="roundRect">
+            <a:avLst/>
+          </a:prstGeom>
+          <a:solidFill>
+            <a:srgbClr val="00B0F0"/>
+          </a:solidFill>
+          <a:ln>
+            <a:noFill/>
+          </a:ln>
+        </p:spPr>
+        <p:style>
+          <a:lnRef idx="2">
+            <a:schemeClr val="accent1">
+              <a:shade val="50000"/>
+            </a:schemeClr>
+          </a:lnRef>
+          <a:fillRef idx="1">
+            <a:schemeClr val="accent1"/>
+          </a:fillRef>
+          <a:effectRef idx="0">
+            <a:schemeClr val="accent1"/>
+          </a:effectRef>
+          <a:fontRef idx="minor">
+            <a:schemeClr val="lt1"/>
+          </a:fontRef>
+        </p:style>
+        <p:txBody>
+          <a:bodyPr rtlCol="0" anchor="ctr"/>
+          <a:lstStyle/>
+          <a:p>
+            <a:pPr algn="ctr"/>
+            <a:r>
+              <a:rPr kumimoji="1" lang="ko-KR" altLang="en-US" dirty="0" err="1" smtClean="0">
+                <a:solidFill>
+                  <a:schemeClr val="bg1"/>
+                </a:solidFill>
+              </a:rPr>
+              <a:t>디퍼드</a:t>
+            </a:r>
+            <a:r>
+              <a:rPr kumimoji="1" lang="ko-KR" altLang="en-US" dirty="0" smtClean="0">
+                <a:solidFill>
+                  <a:schemeClr val="bg1"/>
+                </a:solidFill>
+              </a:rPr>
+              <a:t> </a:t>
+            </a:r>
+            <a:r>
+              <a:rPr kumimoji="1" lang="ko-KR" altLang="en-US" dirty="0" err="1" smtClean="0">
+                <a:solidFill>
+                  <a:schemeClr val="bg1"/>
+                </a:solidFill>
+              </a:rPr>
+              <a:t>셰이더</a:t>
+            </a:r>
+            <a:endParaRPr kumimoji="1" lang="ko-KR" altLang="en-US" dirty="0">
+              <a:solidFill>
+                <a:schemeClr val="bg1"/>
+              </a:solidFill>
+            </a:endParaRPr>
+          </a:p>
+        </p:txBody>
+      </p:sp>
+      <p:sp>
+        <p:nvSpPr>
+          <p:cNvPr id="32" name="모서리가 둥근 직사각형 31"/>
+          <p:cNvSpPr/>
+          <p:nvPr/>
+        </p:nvSpPr>
+        <p:spPr>
+          <a:xfrm>
+            <a:off x="3956686" y="3743661"/>
+            <a:ext cx="1985009" cy="455930"/>
+          </a:xfrm>
+          <a:prstGeom prst="roundRect">
+            <a:avLst/>
+          </a:prstGeom>
+          <a:solidFill>
+            <a:srgbClr val="00B0F0"/>
+          </a:solidFill>
+          <a:ln>
+            <a:noFill/>
+          </a:ln>
+        </p:spPr>
+        <p:style>
+          <a:lnRef idx="2">
+            <a:schemeClr val="accent1">
+              <a:shade val="50000"/>
+            </a:schemeClr>
+          </a:lnRef>
+          <a:fillRef idx="1">
+            <a:schemeClr val="accent1"/>
+          </a:fillRef>
+          <a:effectRef idx="0">
+            <a:schemeClr val="accent1"/>
+          </a:effectRef>
+          <a:fontRef idx="minor">
+            <a:schemeClr val="lt1"/>
+          </a:fontRef>
+        </p:style>
+        <p:txBody>
+          <a:bodyPr rtlCol="0" anchor="ctr"/>
+          <a:lstStyle/>
+          <a:p>
+            <a:pPr algn="ctr"/>
+            <a:r>
+              <a:rPr kumimoji="1" lang="en-US" altLang="ko-KR" dirty="0" smtClean="0">
+                <a:solidFill>
+                  <a:schemeClr val="bg1"/>
+                </a:solidFill>
+              </a:rPr>
+              <a:t>MRT </a:t>
+            </a:r>
+            <a:r>
+              <a:rPr kumimoji="1" lang="ko-KR" altLang="en-US" dirty="0" smtClean="0">
+                <a:solidFill>
+                  <a:schemeClr val="bg1"/>
+                </a:solidFill>
+              </a:rPr>
+              <a:t>관리</a:t>
+            </a:r>
+            <a:endParaRPr kumimoji="1" lang="ko-KR" altLang="en-US" dirty="0">
+              <a:solidFill>
+                <a:schemeClr val="bg1"/>
+              </a:solidFill>
+            </a:endParaRPr>
+          </a:p>
+        </p:txBody>
+      </p:sp>
+      <p:sp>
+        <p:nvSpPr>
+          <p:cNvPr id="36" name="모서리가 둥근 직사각형 35"/>
+          <p:cNvSpPr/>
+          <p:nvPr/>
+        </p:nvSpPr>
+        <p:spPr>
+          <a:xfrm>
+            <a:off x="3956685" y="3142241"/>
+            <a:ext cx="831215" cy="455930"/>
+          </a:xfrm>
+          <a:prstGeom prst="roundRect">
+            <a:avLst/>
+          </a:prstGeom>
+          <a:solidFill>
+            <a:srgbClr val="00B0F0"/>
+          </a:solidFill>
+          <a:ln>
+            <a:noFill/>
+          </a:ln>
+        </p:spPr>
+        <p:style>
+          <a:lnRef idx="2">
+            <a:schemeClr val="accent1">
+              <a:shade val="50000"/>
+            </a:schemeClr>
+          </a:lnRef>
+          <a:fillRef idx="1">
+            <a:schemeClr val="accent1"/>
+          </a:fillRef>
+          <a:effectRef idx="0">
+            <a:schemeClr val="accent1"/>
+          </a:effectRef>
+          <a:fontRef idx="minor">
+            <a:schemeClr val="lt1"/>
+          </a:fontRef>
+        </p:style>
+        <p:txBody>
+          <a:bodyPr rtlCol="0" anchor="ctr"/>
+          <a:lstStyle/>
+          <a:p>
+            <a:pPr algn="ctr"/>
+            <a:r>
+              <a:rPr kumimoji="1" lang="ko-KR" altLang="en-US" sz="1400" dirty="0" err="1" smtClean="0">
+                <a:solidFill>
+                  <a:schemeClr val="bg1"/>
+                </a:solidFill>
+              </a:rPr>
+              <a:t>포인트라이트</a:t>
+            </a:r>
+            <a:endParaRPr kumimoji="1" lang="ko-KR" altLang="en-US" sz="1400" dirty="0">
+              <a:solidFill>
+                <a:schemeClr val="bg1"/>
+              </a:solidFill>
+            </a:endParaRPr>
+          </a:p>
+        </p:txBody>
+      </p:sp>
+      <p:sp>
+        <p:nvSpPr>
+          <p:cNvPr id="40" name="모서리가 둥근 직사각형 39"/>
+          <p:cNvSpPr/>
+          <p:nvPr/>
+        </p:nvSpPr>
+        <p:spPr>
+          <a:xfrm>
+            <a:off x="3956684" y="1984002"/>
+            <a:ext cx="831215" cy="455930"/>
+          </a:xfrm>
+          <a:prstGeom prst="roundRect">
+            <a:avLst/>
+          </a:prstGeom>
+          <a:solidFill>
+            <a:srgbClr val="00B0F0"/>
+          </a:solidFill>
+          <a:ln>
+            <a:noFill/>
+          </a:ln>
+        </p:spPr>
+        <p:style>
+          <a:lnRef idx="2">
+            <a:schemeClr val="accent1">
+              <a:shade val="50000"/>
+            </a:schemeClr>
+          </a:lnRef>
+          <a:fillRef idx="1">
+            <a:schemeClr val="accent1"/>
+          </a:fillRef>
+          <a:effectRef idx="0">
+            <a:schemeClr val="accent1"/>
+          </a:effectRef>
+          <a:fontRef idx="minor">
+            <a:schemeClr val="lt1"/>
+          </a:fontRef>
+        </p:style>
+        <p:txBody>
+          <a:bodyPr rtlCol="0" anchor="ctr"/>
+          <a:lstStyle/>
+          <a:p>
+            <a:pPr algn="ctr"/>
+            <a:r>
+              <a:rPr kumimoji="1" lang="en-US" altLang="ko-KR" sz="1200" dirty="0" err="1" smtClean="0">
+                <a:solidFill>
+                  <a:schemeClr val="bg1"/>
+                </a:solidFill>
+              </a:rPr>
+              <a:t>Gbuffer</a:t>
+            </a:r>
+            <a:endParaRPr kumimoji="1" lang="ko-KR" altLang="en-US" sz="1200" dirty="0">
+              <a:solidFill>
+                <a:schemeClr val="bg1"/>
+              </a:solidFill>
+            </a:endParaRPr>
+          </a:p>
+        </p:txBody>
+      </p:sp>
+      <p:sp>
+        <p:nvSpPr>
+          <p:cNvPr id="42" name="모서리가 둥근 직사각형 41"/>
+          <p:cNvSpPr/>
+          <p:nvPr/>
+        </p:nvSpPr>
+        <p:spPr>
+          <a:xfrm>
+            <a:off x="2802890" y="2578731"/>
+            <a:ext cx="831215" cy="455930"/>
+          </a:xfrm>
+          <a:prstGeom prst="roundRect">
+            <a:avLst/>
+          </a:prstGeom>
+          <a:solidFill>
+            <a:srgbClr val="00B0F0"/>
+          </a:solidFill>
+          <a:ln>
+            <a:noFill/>
+          </a:ln>
+        </p:spPr>
+        <p:style>
+          <a:lnRef idx="2">
+            <a:schemeClr val="accent1">
+              <a:shade val="50000"/>
+            </a:schemeClr>
+          </a:lnRef>
+          <a:fillRef idx="1">
+            <a:schemeClr val="accent1"/>
+          </a:fillRef>
+          <a:effectRef idx="0">
+            <a:schemeClr val="accent1"/>
+          </a:effectRef>
+          <a:fontRef idx="minor">
+            <a:schemeClr val="lt1"/>
+          </a:fontRef>
+        </p:style>
+        <p:txBody>
+          <a:bodyPr vert="horz" wrap="square" lIns="0" tIns="0" rIns="0" bIns="0" numCol="1" anchor="ctr">
+            <a:noAutofit/>
+          </a:bodyPr>
+          <a:lstStyle/>
           <a:p>
             <a:pPr marL="0" indent="0" algn="ctr" defTabSz="914400" eaLnBrk="0" fontAlgn="auto">
               <a:lnSpc>
@@ -10531,16 +10999,16 @@
               <a:buNone/>
             </a:pPr>
             <a:r>
-              <a:rPr lang="en-US" altLang="ko-KR" sz="1600" b="0" cap="none" dirty="0">
+              <a:rPr lang="ko-KR" altLang="en-US" sz="1400" b="0" cap="none" dirty="0" err="1" smtClean="0">
                 <a:solidFill>
                   <a:schemeClr val="bg1"/>
                 </a:solidFill>
                 <a:latin typeface="맑은 고딕" charset="0"/>
                 <a:ea typeface="맑은 고딕" charset="0"/>
               </a:rPr>
-              <a:t>스펙큘러</a:t>
-            </a:r>
-            <a:endParaRPr lang="ko-KR" altLang="en-US" sz="1600" b="0" cap="none" dirty="0">
+              <a:t>디퓨즈</a:t>
+            </a:r>
+            <a:endParaRPr lang="ko-KR" altLang="en-US" sz="1400" b="0" cap="none" dirty="0">
               <a:solidFill>
                 <a:schemeClr val="bg1"/>
               </a:solidFill>
@@ -10548,6 +11016,50 @@
               <a:ea typeface="맑은 고딕" charset="0"/>
             </a:endParaRPr>
           </a:p>
+        </p:txBody>
+      </p:sp>
+      <p:sp>
+        <p:nvSpPr>
+          <p:cNvPr id="43" name="모서리가 둥근 직사각형 42"/>
+          <p:cNvSpPr/>
+          <p:nvPr/>
+        </p:nvSpPr>
+        <p:spPr>
+          <a:xfrm>
+            <a:off x="2802891" y="3142241"/>
+            <a:ext cx="831215" cy="455930"/>
+          </a:xfrm>
+          <a:prstGeom prst="roundRect">
+            <a:avLst/>
+          </a:prstGeom>
+          <a:solidFill>
+            <a:srgbClr val="00B0F0"/>
+          </a:solidFill>
+          <a:ln>
+            <a:noFill/>
+          </a:ln>
+        </p:spPr>
+        <p:style>
+          <a:lnRef idx="2">
+            <a:schemeClr val="accent1">
+              <a:shade val="50000"/>
+            </a:schemeClr>
+          </a:lnRef>
+          <a:fillRef idx="1">
+            <a:schemeClr val="accent1"/>
+          </a:fillRef>
+          <a:effectRef idx="0">
+            <a:schemeClr val="accent1"/>
+          </a:effectRef>
+          <a:fontRef idx="minor">
+            <a:schemeClr val="lt1"/>
+          </a:fontRef>
+        </p:style>
+        <p:txBody>
+          <a:bodyPr vert="horz" wrap="square" lIns="0" tIns="0" rIns="0" bIns="0" numCol="1" anchor="ctr">
+            <a:noAutofit/>
+          </a:bodyPr>
+          <a:lstStyle/>
           <a:p>
             <a:pPr marL="0" indent="0" algn="ctr" defTabSz="914400" eaLnBrk="0" fontAlgn="auto">
               <a:lnSpc>
@@ -10563,16 +11075,16 @@
               <a:buNone/>
             </a:pPr>
             <a:r>
-              <a:rPr lang="en-US" altLang="ko-KR" sz="1600" b="0" cap="none" dirty="0">
+              <a:rPr lang="ko-KR" altLang="en-US" sz="1400" b="0" cap="none" dirty="0" err="1" smtClean="0">
                 <a:solidFill>
                   <a:schemeClr val="bg1"/>
                 </a:solidFill>
                 <a:latin typeface="맑은 고딕" charset="0"/>
                 <a:ea typeface="맑은 고딕" charset="0"/>
               </a:rPr>
-              <a:t>매핑</a:t>
-            </a:r>
-            <a:endParaRPr lang="ko-KR" altLang="en-US" sz="1600" b="0" cap="none" dirty="0">
+              <a:t>스펙큘러</a:t>
+            </a:r>
+            <a:endParaRPr lang="ko-KR" altLang="en-US" sz="1400" b="0" cap="none" dirty="0">
               <a:solidFill>
                 <a:schemeClr val="bg1"/>
               </a:solidFill>
@@ -10584,14 +11096,14 @@
       </p:sp>
       <p:sp>
         <p:nvSpPr>
-          <p:cNvPr id="28" name="모서리가 둥근 직사각형 27"/>
+          <p:cNvPr id="44" name="모서리가 둥근 직사각형 43"/>
           <p:cNvSpPr/>
           <p:nvPr/>
         </p:nvSpPr>
         <p:spPr>
           <a:xfrm>
-            <a:off x="5941695" y="4345305"/>
-            <a:ext cx="843280" cy="455930"/>
+            <a:off x="495300" y="1984002"/>
+            <a:ext cx="1985010" cy="455930"/>
           </a:xfrm>
           <a:prstGeom prst="roundRect">
             <a:avLst/>
@@ -10625,26 +11137,31 @@
           <a:p>
             <a:pPr algn="ctr"/>
             <a:r>
-              <a:rPr kumimoji="1" lang="ko-KR" altLang="en-US" dirty="0">
+              <a:rPr kumimoji="1" lang="ko-KR" altLang="en-US" dirty="0" err="1" smtClean="0">
                 <a:solidFill>
                   <a:schemeClr val="bg1"/>
                 </a:solidFill>
               </a:rPr>
-              <a:t>툰</a:t>
-            </a:r>
-          </a:p>
-        </p:txBody>
-      </p:sp>
-      <p:sp>
-        <p:nvSpPr>
-          <p:cNvPr id="29" name="모서리가 둥근 직사각형 28"/>
+              <a:t>뷰어</a:t>
+            </a:r>
+            <a:endParaRPr kumimoji="1" lang="ko-KR" altLang="en-US" dirty="0">
+              <a:solidFill>
+                <a:schemeClr val="bg1"/>
+              </a:solidFill>
+            </a:endParaRPr>
+          </a:p>
+        </p:txBody>
+      </p:sp>
+      <p:sp>
+        <p:nvSpPr>
+          <p:cNvPr id="45" name="모서리가 둥근 직사각형 44"/>
           <p:cNvSpPr/>
           <p:nvPr/>
         </p:nvSpPr>
         <p:spPr>
           <a:xfrm>
-            <a:off x="6680200" y="4931410"/>
-            <a:ext cx="1569720" cy="455930"/>
+            <a:off x="6264275" y="1984002"/>
+            <a:ext cx="831215" cy="455930"/>
           </a:xfrm>
           <a:prstGeom prst="roundRect">
             <a:avLst/>
@@ -10678,42 +11195,31 @@
           <a:p>
             <a:pPr algn="ctr"/>
             <a:r>
-              <a:rPr kumimoji="1" lang="ko-KR" altLang="en-US" sz="1400" dirty="0">
+              <a:rPr kumimoji="1" lang="ko-KR" altLang="en-US" sz="1400" dirty="0" smtClean="0">
                 <a:solidFill>
                   <a:schemeClr val="bg1"/>
                 </a:solidFill>
               </a:rPr>
-              <a:t>쉐도우</a:t>
-            </a:r>
-            <a:endParaRPr kumimoji="1" lang="en-US" altLang="ko-KR" sz="1400" dirty="0">
+              <a:t>윤곽선</a:t>
+            </a:r>
+            <a:endParaRPr kumimoji="1" lang="ko-KR" altLang="en-US" sz="1400" dirty="0">
               <a:solidFill>
                 <a:schemeClr val="bg1"/>
               </a:solidFill>
             </a:endParaRPr>
           </a:p>
-          <a:p>
-            <a:pPr algn="ctr"/>
-            <a:r>
-              <a:rPr kumimoji="1" lang="ko-KR" altLang="en-US" sz="1400" dirty="0">
-                <a:solidFill>
-                  <a:schemeClr val="bg1"/>
-                </a:solidFill>
-              </a:rPr>
-              <a:t>매핑</a:t>
-            </a:r>
-          </a:p>
-        </p:txBody>
-      </p:sp>
-      <p:sp>
-        <p:nvSpPr>
-          <p:cNvPr id="31" name="모서리가 둥근 직사각형 30"/>
+        </p:txBody>
+      </p:sp>
+      <p:sp>
+        <p:nvSpPr>
+          <p:cNvPr id="46" name="모서리가 둥근 직사각형 45"/>
           <p:cNvSpPr/>
           <p:nvPr/>
         </p:nvSpPr>
         <p:spPr>
           <a:xfrm>
-            <a:off x="4787265" y="3743661"/>
-            <a:ext cx="1022350" cy="455930"/>
+            <a:off x="3956686" y="4351991"/>
+            <a:ext cx="1985009" cy="455930"/>
           </a:xfrm>
           <a:prstGeom prst="roundRect">
             <a:avLst/>
@@ -10747,28 +11253,20 @@
           <a:p>
             <a:pPr algn="ctr"/>
             <a:r>
-              <a:rPr kumimoji="1" lang="ko-KR" altLang="en-US" dirty="0" err="1">
+              <a:rPr kumimoji="1" lang="en-US" altLang="ko-KR" dirty="0" smtClean="0">
                 <a:solidFill>
                   <a:schemeClr val="bg1"/>
                 </a:solidFill>
               </a:rPr>
-              <a:t>디퍼드</a:t>
-            </a:r>
-            <a:endParaRPr kumimoji="1" lang="en-US" altLang="ko-KR" dirty="0">
-              <a:solidFill>
-                <a:schemeClr val="bg1"/>
-              </a:solidFill>
-            </a:endParaRPr>
-          </a:p>
-          <a:p>
-            <a:pPr algn="ctr"/>
-            <a:r>
-              <a:rPr kumimoji="1" lang="ko-KR" altLang="en-US" dirty="0" err="1">
+              <a:t>Client </a:t>
+            </a:r>
+            <a:r>
+              <a:rPr kumimoji="1" lang="ko-KR" altLang="en-US" dirty="0" smtClean="0">
                 <a:solidFill>
                   <a:schemeClr val="bg1"/>
                 </a:solidFill>
               </a:rPr>
-              <a:t>셰이더</a:t>
+              <a:t>연동</a:t>
             </a:r>
             <a:endParaRPr kumimoji="1" lang="ko-KR" altLang="en-US" dirty="0">
               <a:solidFill>
@@ -10778,87 +11276,23 @@
           </a:p>
         </p:txBody>
       </p:sp>
-      <p:sp>
-        <p:nvSpPr>
-          <p:cNvPr id="32" name="모서리가 둥근 직사각형 31"/>
-          <p:cNvSpPr/>
-          <p:nvPr/>
-        </p:nvSpPr>
-        <p:spPr>
-          <a:xfrm>
-            <a:off x="4787265" y="4345305"/>
-            <a:ext cx="1022350" cy="455930"/>
-          </a:xfrm>
-          <a:prstGeom prst="roundRect">
-            <a:avLst/>
-          </a:prstGeom>
-          <a:solidFill>
-            <a:srgbClr val="00B0F0"/>
-          </a:solidFill>
-          <a:ln>
-            <a:noFill/>
-          </a:ln>
-        </p:spPr>
-        <p:style>
-          <a:lnRef idx="2">
-            <a:schemeClr val="accent1">
-              <a:shade val="50000"/>
-            </a:schemeClr>
-          </a:lnRef>
-          <a:fillRef idx="1">
-            <a:schemeClr val="accent1"/>
-          </a:fillRef>
-          <a:effectRef idx="0">
-            <a:schemeClr val="accent1"/>
-          </a:effectRef>
-          <a:fontRef idx="minor">
-            <a:schemeClr val="lt1"/>
-          </a:fontRef>
-        </p:style>
-        <p:txBody>
-          <a:bodyPr rtlCol="0" anchor="ctr"/>
-          <a:lstStyle/>
-          <a:p>
-            <a:pPr algn="ctr"/>
-            <a:r>
-              <a:rPr kumimoji="1" lang="en-US" altLang="ko-KR" dirty="0">
-                <a:solidFill>
-                  <a:schemeClr val="bg1"/>
-                </a:solidFill>
-              </a:rPr>
-              <a:t>MRT</a:t>
-            </a:r>
-          </a:p>
-          <a:p>
-            <a:pPr algn="ctr"/>
-            <a:r>
-              <a:rPr kumimoji="1" lang="ko-KR" altLang="en-US" dirty="0">
-                <a:solidFill>
-                  <a:schemeClr val="bg1"/>
-                </a:solidFill>
-              </a:rPr>
-              <a:t>관리</a:t>
-            </a:r>
-          </a:p>
-        </p:txBody>
-      </p:sp>
     </p:spTree>
     <p:extLst>
       <p:ext uri="{BB962C8B-B14F-4D97-AF65-F5344CB8AC3E}">
-        <p14:creationId xmlns:p14="http://schemas.microsoft.com/office/powerpoint/2010/main" val="1758201785"/>
+        <p14:creationId xmlns:p14="http://schemas.microsoft.com/office/powerpoint/2010/main" xmlns="" val="1758201785"/>
       </p:ext>
     </p:extLst>
   </p:cSld>
   <p:clrMapOvr>
     <a:masterClrMapping/>
   </p:clrMapOvr>
-  <mc:AlternateContent xmlns:mc="http://schemas.openxmlformats.org/markup-compatibility/2006" xmlns:p14="http://schemas.microsoft.com/office/powerpoint/2010/main">
-    <mc:Choice Requires="p14">
+  <mc:AlternateContent xmlns:mc="http://schemas.openxmlformats.org/markup-compatibility/2006">
+    <mc:Choice xmlns:p14="http://schemas.microsoft.com/office/powerpoint/2010/main" xmlns="" Requires="p14">
       <p:transition spd="slow">
         <p:push/>
       </p:transition>
     </mc:Choice>
-    <mc:Fallback xmlns="">
+    <mc:Fallback>
       <p:transition spd="slow">
         <p:push/>
       </p:transition>
@@ -12644,7 +13078,7 @@
     </p:spTree>
     <p:extLst>
       <p:ext uri="{BB962C8B-B14F-4D97-AF65-F5344CB8AC3E}">
-        <p14:creationId xmlns:p14="http://schemas.microsoft.com/office/powerpoint/2010/main" val="516771458"/>
+        <p14:creationId xmlns:p14="http://schemas.microsoft.com/office/powerpoint/2010/main" xmlns="" val="516771458"/>
       </p:ext>
     </p:extLst>
   </p:cSld>
@@ -12912,7 +13346,7 @@
   <a:extraClrSchemeLst/>
   <a:extLst>
     <a:ext uri="{05A4C25C-085E-4340-85A3-A5531E510DB2}">
-      <thm15:themeFamily xmlns:thm15="http://schemas.microsoft.com/office/thememl/2012/main" name="Office Theme" id="{62F939B6-93AF-4DB8-9C6B-D6C7DFDC589F}" vid="{4A3C46E8-61CC-4603-A589-7422A47A8E4A}"/>
+      <thm15:themeFamily xmlns:thm15="http://schemas.microsoft.com/office/thememl/2012/main" xmlns="" name="Office Theme" id="{62F939B6-93AF-4DB8-9C6B-D6C7DFDC589F}" vid="{4A3C46E8-61CC-4603-A589-7422A47A8E4A}"/>
     </a:ext>
   </a:extLst>
 </a:theme>
@@ -13173,7 +13607,7 @@
   <a:extraClrSchemeLst/>
   <a:extLst>
     <a:ext uri="{05A4C25C-085E-4340-85A3-A5531E510DB2}">
-      <thm15:themeFamily xmlns:thm15="http://schemas.microsoft.com/office/thememl/2012/main" name="Office Theme" id="{62F939B6-93AF-4DB8-9C6B-D6C7DFDC589F}" vid="{4A3C46E8-61CC-4603-A589-7422A47A8E4A}"/>
+      <thm15:themeFamily xmlns:thm15="http://schemas.microsoft.com/office/thememl/2012/main" xmlns="" name="Office Theme" id="{62F939B6-93AF-4DB8-9C6B-D6C7DFDC589F}" vid="{4A3C46E8-61CC-4603-A589-7422A47A8E4A}"/>
     </a:ext>
   </a:extLst>
 </a:theme>
@@ -13434,7 +13868,7 @@
   <a:extraClrSchemeLst/>
   <a:extLst>
     <a:ext uri="{05A4C25C-085E-4340-85A3-A5531E510DB2}">
-      <thm15:themeFamily xmlns:thm15="http://schemas.microsoft.com/office/thememl/2012/main" name="Office Theme" id="{62F939B6-93AF-4DB8-9C6B-D6C7DFDC589F}" vid="{4A3C46E8-61CC-4603-A589-7422A47A8E4A}"/>
+      <thm15:themeFamily xmlns:thm15="http://schemas.microsoft.com/office/thememl/2012/main" xmlns="" name="Office Theme" id="{62F939B6-93AF-4DB8-9C6B-D6C7DFDC589F}" vid="{4A3C46E8-61CC-4603-A589-7422A47A8E4A}"/>
     </a:ext>
   </a:extLst>
 </a:theme>

--- a/documents/일정표(20170217).pptx
+++ b/documents/일정표(20170217).pptx
@@ -116,7 +116,7 @@
   </p:defaultTextStyle>
   <p:extLst>
     <p:ext uri="{EFAFB233-063F-42B5-8137-9DF3F51BA10A}">
-      <p15:sldGuideLst xmlns:p15="http://schemas.microsoft.com/office/powerpoint/2012/main" xmlns="">
+      <p15:sldGuideLst xmlns="" xmlns:p15="http://schemas.microsoft.com/office/powerpoint/2012/main">
         <p15:guide id="1" orient="horz" pos="2160" userDrawn="1">
           <p15:clr>
             <a:srgbClr val="A4A3A4"/>
@@ -130,7 +130,7 @@
       </p15:sldGuideLst>
     </p:ext>
     <p:ext uri="{2D200454-40CA-4A62-9FC3-DE9A4176ACB9}">
-      <p15:notesGuideLst xmlns:p15="http://schemas.microsoft.com/office/powerpoint/2012/main" xmlns="">
+      <p15:notesGuideLst xmlns="" xmlns:p15="http://schemas.microsoft.com/office/powerpoint/2012/main">
         <p15:guide id="1" orient="horz" pos="2880" userDrawn="1">
           <p15:clr>
             <a:srgbClr val="A4A3A4"/>
@@ -240,7 +240,7 @@
             <a:fld id="{C0784820-E37F-9245-812A-8C2941EBBF6C}" type="datetimeFigureOut">
               <a:rPr kumimoji="1" lang="ko-KR" altLang="en-US" smtClean="0"/>
               <a:pPr/>
-              <a:t>2017-03-29</a:t>
+              <a:t>2017-04-30</a:t>
             </a:fld>
             <a:endParaRPr kumimoji="1" lang="ko-KR" altLang="en-US"/>
           </a:p>
@@ -316,7 +316,7 @@
     </p:spTree>
     <p:extLst>
       <p:ext uri="{BB962C8B-B14F-4D97-AF65-F5344CB8AC3E}">
-        <p14:creationId xmlns:p14="http://schemas.microsoft.com/office/powerpoint/2010/main" xmlns="" val="1346057156"/>
+        <p14:creationId xmlns="" xmlns:p14="http://schemas.microsoft.com/office/powerpoint/2010/main" val="1346057156"/>
       </p:ext>
     </p:extLst>
   </p:cSld>
@@ -407,7 +407,7 @@
             <a:fld id="{ABD44343-005F-DA4E-8CE2-D84E76ABEFED}" type="datetimeFigureOut">
               <a:rPr kumimoji="1" lang="ko-KR" altLang="en-US" smtClean="0"/>
               <a:pPr/>
-              <a:t>2017-03-29</a:t>
+              <a:t>2017-04-30</a:t>
             </a:fld>
             <a:endParaRPr kumimoji="1" lang="ko-KR" altLang="en-US"/>
           </a:p>
@@ -575,7 +575,7 @@
     </p:spTree>
     <p:extLst>
       <p:ext uri="{BB962C8B-B14F-4D97-AF65-F5344CB8AC3E}">
-        <p14:creationId xmlns:p14="http://schemas.microsoft.com/office/powerpoint/2010/main" xmlns="" val="1183702078"/>
+        <p14:creationId xmlns="" xmlns:p14="http://schemas.microsoft.com/office/powerpoint/2010/main" val="1183702078"/>
       </p:ext>
     </p:extLst>
   </p:cSld>
@@ -750,7 +750,7 @@
     </p:spTree>
     <p:extLst>
       <p:ext uri="{BB962C8B-B14F-4D97-AF65-F5344CB8AC3E}">
-        <p14:creationId xmlns:p14="http://schemas.microsoft.com/office/powerpoint/2010/main" xmlns="" val="704854212"/>
+        <p14:creationId xmlns="" xmlns:p14="http://schemas.microsoft.com/office/powerpoint/2010/main" val="704854212"/>
       </p:ext>
     </p:extLst>
   </p:cSld>
@@ -835,7 +835,7 @@
     </p:spTree>
     <p:extLst>
       <p:ext uri="{BB962C8B-B14F-4D97-AF65-F5344CB8AC3E}">
-        <p14:creationId xmlns:p14="http://schemas.microsoft.com/office/powerpoint/2010/main" xmlns="" val="3731061897"/>
+        <p14:creationId xmlns="" xmlns:p14="http://schemas.microsoft.com/office/powerpoint/2010/main" val="3731061897"/>
       </p:ext>
     </p:extLst>
   </p:cSld>
@@ -975,7 +975,7 @@
             <a:fld id="{9A7BEA77-FCFD-E34F-8955-12C1E82451E3}" type="datetimeFigureOut">
               <a:rPr kumimoji="1" lang="ko-KR" altLang="en-US" smtClean="0"/>
               <a:pPr/>
-              <a:t>2017-03-29</a:t>
+              <a:t>2017-04-30</a:t>
             </a:fld>
             <a:endParaRPr kumimoji="1" lang="ko-KR" altLang="en-US"/>
           </a:p>
@@ -1027,7 +1027,7 @@
     </p:spTree>
     <p:extLst>
       <p:ext uri="{BB962C8B-B14F-4D97-AF65-F5344CB8AC3E}">
-        <p14:creationId xmlns:p14="http://schemas.microsoft.com/office/powerpoint/2010/main" xmlns="" val="1830675243"/>
+        <p14:creationId xmlns="" xmlns:p14="http://schemas.microsoft.com/office/powerpoint/2010/main" val="1830675243"/>
       </p:ext>
     </p:extLst>
   </p:cSld>
@@ -1145,7 +1145,7 @@
             <a:fld id="{9A7BEA77-FCFD-E34F-8955-12C1E82451E3}" type="datetimeFigureOut">
               <a:rPr kumimoji="1" lang="ko-KR" altLang="en-US" smtClean="0"/>
               <a:pPr/>
-              <a:t>2017-03-29</a:t>
+              <a:t>2017-04-30</a:t>
             </a:fld>
             <a:endParaRPr kumimoji="1" lang="ko-KR" altLang="en-US"/>
           </a:p>
@@ -1197,7 +1197,7 @@
     </p:spTree>
     <p:extLst>
       <p:ext uri="{BB962C8B-B14F-4D97-AF65-F5344CB8AC3E}">
-        <p14:creationId xmlns:p14="http://schemas.microsoft.com/office/powerpoint/2010/main" xmlns="" val="456422572"/>
+        <p14:creationId xmlns="" xmlns:p14="http://schemas.microsoft.com/office/powerpoint/2010/main" val="456422572"/>
       </p:ext>
     </p:extLst>
   </p:cSld>
@@ -1325,7 +1325,7 @@
             <a:fld id="{9A7BEA77-FCFD-E34F-8955-12C1E82451E3}" type="datetimeFigureOut">
               <a:rPr kumimoji="1" lang="ko-KR" altLang="en-US" smtClean="0"/>
               <a:pPr/>
-              <a:t>2017-03-29</a:t>
+              <a:t>2017-04-30</a:t>
             </a:fld>
             <a:endParaRPr kumimoji="1" lang="ko-KR" altLang="en-US"/>
           </a:p>
@@ -1377,7 +1377,7 @@
     </p:spTree>
     <p:extLst>
       <p:ext uri="{BB962C8B-B14F-4D97-AF65-F5344CB8AC3E}">
-        <p14:creationId xmlns:p14="http://schemas.microsoft.com/office/powerpoint/2010/main" xmlns="" val="282580520"/>
+        <p14:creationId xmlns="" xmlns:p14="http://schemas.microsoft.com/office/powerpoint/2010/main" val="282580520"/>
       </p:ext>
     </p:extLst>
   </p:cSld>
@@ -1495,7 +1495,7 @@
             <a:fld id="{9A7BEA77-FCFD-E34F-8955-12C1E82451E3}" type="datetimeFigureOut">
               <a:rPr kumimoji="1" lang="ko-KR" altLang="en-US" smtClean="0"/>
               <a:pPr/>
-              <a:t>2017-03-29</a:t>
+              <a:t>2017-04-30</a:t>
             </a:fld>
             <a:endParaRPr kumimoji="1" lang="ko-KR" altLang="en-US"/>
           </a:p>
@@ -1547,7 +1547,7 @@
     </p:spTree>
     <p:extLst>
       <p:ext uri="{BB962C8B-B14F-4D97-AF65-F5344CB8AC3E}">
-        <p14:creationId xmlns:p14="http://schemas.microsoft.com/office/powerpoint/2010/main" xmlns="" val="796188794"/>
+        <p14:creationId xmlns="" xmlns:p14="http://schemas.microsoft.com/office/powerpoint/2010/main" val="796188794"/>
       </p:ext>
     </p:extLst>
   </p:cSld>
@@ -1742,7 +1742,7 @@
             <a:fld id="{9A7BEA77-FCFD-E34F-8955-12C1E82451E3}" type="datetimeFigureOut">
               <a:rPr kumimoji="1" lang="ko-KR" altLang="en-US" smtClean="0"/>
               <a:pPr/>
-              <a:t>2017-03-29</a:t>
+              <a:t>2017-04-30</a:t>
             </a:fld>
             <a:endParaRPr kumimoji="1" lang="ko-KR" altLang="en-US"/>
           </a:p>
@@ -1794,7 +1794,7 @@
     </p:spTree>
     <p:extLst>
       <p:ext uri="{BB962C8B-B14F-4D97-AF65-F5344CB8AC3E}">
-        <p14:creationId xmlns:p14="http://schemas.microsoft.com/office/powerpoint/2010/main" xmlns="" val="574456301"/>
+        <p14:creationId xmlns="" xmlns:p14="http://schemas.microsoft.com/office/powerpoint/2010/main" val="574456301"/>
       </p:ext>
     </p:extLst>
   </p:cSld>
@@ -1973,7 +1973,7 @@
             <a:fld id="{9A7BEA77-FCFD-E34F-8955-12C1E82451E3}" type="datetimeFigureOut">
               <a:rPr kumimoji="1" lang="ko-KR" altLang="en-US" smtClean="0"/>
               <a:pPr/>
-              <a:t>2017-03-29</a:t>
+              <a:t>2017-04-30</a:t>
             </a:fld>
             <a:endParaRPr kumimoji="1" lang="ko-KR" altLang="en-US"/>
           </a:p>
@@ -2025,7 +2025,7 @@
     </p:spTree>
     <p:extLst>
       <p:ext uri="{BB962C8B-B14F-4D97-AF65-F5344CB8AC3E}">
-        <p14:creationId xmlns:p14="http://schemas.microsoft.com/office/powerpoint/2010/main" xmlns="" val="1948057642"/>
+        <p14:creationId xmlns="" xmlns:p14="http://schemas.microsoft.com/office/powerpoint/2010/main" val="1948057642"/>
       </p:ext>
     </p:extLst>
   </p:cSld>
@@ -2339,7 +2339,7 @@
             <a:fld id="{9A7BEA77-FCFD-E34F-8955-12C1E82451E3}" type="datetimeFigureOut">
               <a:rPr kumimoji="1" lang="ko-KR" altLang="en-US" smtClean="0"/>
               <a:pPr/>
-              <a:t>2017-03-29</a:t>
+              <a:t>2017-04-30</a:t>
             </a:fld>
             <a:endParaRPr kumimoji="1" lang="ko-KR" altLang="en-US"/>
           </a:p>
@@ -2391,7 +2391,7 @@
     </p:spTree>
     <p:extLst>
       <p:ext uri="{BB962C8B-B14F-4D97-AF65-F5344CB8AC3E}">
-        <p14:creationId xmlns:p14="http://schemas.microsoft.com/office/powerpoint/2010/main" xmlns="" val="469106932"/>
+        <p14:creationId xmlns="" xmlns:p14="http://schemas.microsoft.com/office/powerpoint/2010/main" val="469106932"/>
       </p:ext>
     </p:extLst>
   </p:cSld>
@@ -2458,7 +2458,7 @@
             <a:fld id="{9A7BEA77-FCFD-E34F-8955-12C1E82451E3}" type="datetimeFigureOut">
               <a:rPr kumimoji="1" lang="ko-KR" altLang="en-US" smtClean="0"/>
               <a:pPr/>
-              <a:t>2017-03-29</a:t>
+              <a:t>2017-04-30</a:t>
             </a:fld>
             <a:endParaRPr kumimoji="1" lang="ko-KR" altLang="en-US"/>
           </a:p>
@@ -2510,7 +2510,7 @@
     </p:spTree>
     <p:extLst>
       <p:ext uri="{BB962C8B-B14F-4D97-AF65-F5344CB8AC3E}">
-        <p14:creationId xmlns:p14="http://schemas.microsoft.com/office/powerpoint/2010/main" xmlns="" val="867737987"/>
+        <p14:creationId xmlns="" xmlns:p14="http://schemas.microsoft.com/office/powerpoint/2010/main" val="867737987"/>
       </p:ext>
     </p:extLst>
   </p:cSld>
@@ -2555,7 +2555,7 @@
             <a:fld id="{9A7BEA77-FCFD-E34F-8955-12C1E82451E3}" type="datetimeFigureOut">
               <a:rPr kumimoji="1" lang="ko-KR" altLang="en-US" smtClean="0"/>
               <a:pPr/>
-              <a:t>2017-03-29</a:t>
+              <a:t>2017-04-30</a:t>
             </a:fld>
             <a:endParaRPr kumimoji="1" lang="ko-KR" altLang="en-US"/>
           </a:p>
@@ -2607,7 +2607,7 @@
     </p:spTree>
     <p:extLst>
       <p:ext uri="{BB962C8B-B14F-4D97-AF65-F5344CB8AC3E}">
-        <p14:creationId xmlns:p14="http://schemas.microsoft.com/office/powerpoint/2010/main" xmlns="" val="510900732"/>
+        <p14:creationId xmlns="" xmlns:p14="http://schemas.microsoft.com/office/powerpoint/2010/main" val="510900732"/>
       </p:ext>
     </p:extLst>
   </p:cSld>
@@ -2832,7 +2832,7 @@
             <a:fld id="{9A7BEA77-FCFD-E34F-8955-12C1E82451E3}" type="datetimeFigureOut">
               <a:rPr kumimoji="1" lang="ko-KR" altLang="en-US" smtClean="0"/>
               <a:pPr/>
-              <a:t>2017-03-29</a:t>
+              <a:t>2017-04-30</a:t>
             </a:fld>
             <a:endParaRPr kumimoji="1" lang="ko-KR" altLang="en-US"/>
           </a:p>
@@ -2884,7 +2884,7 @@
     </p:spTree>
     <p:extLst>
       <p:ext uri="{BB962C8B-B14F-4D97-AF65-F5344CB8AC3E}">
-        <p14:creationId xmlns:p14="http://schemas.microsoft.com/office/powerpoint/2010/main" xmlns="" val="1068982018"/>
+        <p14:creationId xmlns="" xmlns:p14="http://schemas.microsoft.com/office/powerpoint/2010/main" val="1068982018"/>
       </p:ext>
     </p:extLst>
   </p:cSld>
@@ -3086,7 +3086,7 @@
             <a:fld id="{9A7BEA77-FCFD-E34F-8955-12C1E82451E3}" type="datetimeFigureOut">
               <a:rPr kumimoji="1" lang="ko-KR" altLang="en-US" smtClean="0"/>
               <a:pPr/>
-              <a:t>2017-03-29</a:t>
+              <a:t>2017-04-30</a:t>
             </a:fld>
             <a:endParaRPr kumimoji="1" lang="ko-KR" altLang="en-US"/>
           </a:p>
@@ -3138,7 +3138,7 @@
     </p:spTree>
     <p:extLst>
       <p:ext uri="{BB962C8B-B14F-4D97-AF65-F5344CB8AC3E}">
-        <p14:creationId xmlns:p14="http://schemas.microsoft.com/office/powerpoint/2010/main" xmlns="" val="532585724"/>
+        <p14:creationId xmlns="" xmlns:p14="http://schemas.microsoft.com/office/powerpoint/2010/main" val="532585724"/>
       </p:ext>
     </p:extLst>
   </p:cSld>
@@ -3299,7 +3299,7 @@
             <a:fld id="{9A7BEA77-FCFD-E34F-8955-12C1E82451E3}" type="datetimeFigureOut">
               <a:rPr kumimoji="1" lang="ko-KR" altLang="en-US" smtClean="0"/>
               <a:pPr/>
-              <a:t>2017-03-29</a:t>
+              <a:t>2017-04-30</a:t>
             </a:fld>
             <a:endParaRPr kumimoji="1" lang="ko-KR" altLang="en-US"/>
           </a:p>
@@ -3396,7 +3396,7 @@
           <a:blip r:embed="rId13" cstate="email">
             <a:extLst>
               <a:ext uri="{28A0092B-C50C-407E-A947-70E740481C1C}">
-                <a14:useLocalDpi xmlns:a14="http://schemas.microsoft.com/office/drawing/2010/main" xmlns=""/>
+                <a14:useLocalDpi xmlns="" xmlns:a14="http://schemas.microsoft.com/office/drawing/2010/main"/>
               </a:ext>
             </a:extLst>
           </a:blip>
@@ -3417,7 +3417,7 @@
     </p:spTree>
     <p:extLst>
       <p:ext uri="{BB962C8B-B14F-4D97-AF65-F5344CB8AC3E}">
-        <p14:creationId xmlns:p14="http://schemas.microsoft.com/office/powerpoint/2010/main" xmlns="" val="870627522"/>
+        <p14:creationId xmlns="" xmlns:p14="http://schemas.microsoft.com/office/powerpoint/2010/main" val="870627522"/>
       </p:ext>
     </p:extLst>
   </p:cSld>
@@ -5073,7 +5073,7 @@
     </p:spTree>
     <p:extLst>
       <p:ext uri="{BB962C8B-B14F-4D97-AF65-F5344CB8AC3E}">
-        <p14:creationId xmlns:p14="http://schemas.microsoft.com/office/powerpoint/2010/main" xmlns="" val="771827545"/>
+        <p14:creationId xmlns="" xmlns:p14="http://schemas.microsoft.com/office/powerpoint/2010/main" val="771827545"/>
       </p:ext>
     </p:extLst>
   </p:cSld>
@@ -5084,7 +5084,7 @@
     <p:push dir="u"/>
   </p:transition>
   <mc:AlternateContent xmlns:mc="http://schemas.openxmlformats.org/markup-compatibility/2006">
-    <mc:Choice xmlns:p14="http://schemas.microsoft.com/office/powerpoint/2010/main" xmlns="" Requires="p14">
+    <mc:Choice xmlns="" xmlns:p14="http://schemas.microsoft.com/office/powerpoint/2010/main" Requires="p14">
       <p:timing>
         <p:tnLst>
           <p:par>
@@ -8230,7 +8230,7 @@
     </p:spTree>
     <p:extLst>
       <p:ext uri="{BB962C8B-B14F-4D97-AF65-F5344CB8AC3E}">
-        <p14:creationId xmlns:p14="http://schemas.microsoft.com/office/powerpoint/2010/main" xmlns="" val="50008626"/>
+        <p14:creationId xmlns="" xmlns:p14="http://schemas.microsoft.com/office/powerpoint/2010/main" val="50008626"/>
       </p:ext>
     </p:extLst>
   </p:cSld>
@@ -9454,7 +9454,7 @@
     </p:spTree>
     <p:extLst>
       <p:ext uri="{BB962C8B-B14F-4D97-AF65-F5344CB8AC3E}">
-        <p14:creationId xmlns:p14="http://schemas.microsoft.com/office/powerpoint/2010/main" xmlns="" val="1443592203"/>
+        <p14:creationId xmlns="" xmlns:p14="http://schemas.microsoft.com/office/powerpoint/2010/main" val="1443592203"/>
       </p:ext>
     </p:extLst>
   </p:cSld>
@@ -10306,15 +10306,7 @@
                   <a:schemeClr val="bg1"/>
                 </a:solidFill>
               </a:rPr>
-              <a:t>포워드 </a:t>
-            </a:r>
-            <a:r>
-              <a:rPr kumimoji="1" lang="ko-KR" altLang="en-US" sz="1600" dirty="0" err="1">
-                <a:solidFill>
-                  <a:schemeClr val="bg1"/>
-                </a:solidFill>
-              </a:rPr>
-              <a:t>셰이더</a:t>
+              <a:t>기타 등등</a:t>
             </a:r>
             <a:endParaRPr kumimoji="1" lang="ko-KR" altLang="en-US" sz="1600" dirty="0">
               <a:solidFill>
@@ -10332,8 +10324,8 @@
         </p:nvSpPr>
         <p:spPr>
           <a:xfrm>
-            <a:off x="3956686" y="6265546"/>
-            <a:ext cx="7753984" cy="455930"/>
+            <a:off x="8571866" y="6265546"/>
+            <a:ext cx="3138804" cy="455930"/>
           </a:xfrm>
           <a:prstGeom prst="roundRect">
             <a:avLst/>
@@ -10694,8 +10686,8 @@
         </p:nvSpPr>
         <p:spPr>
           <a:xfrm>
-            <a:off x="3956686" y="4931410"/>
-            <a:ext cx="5446393" cy="455930"/>
+            <a:off x="3956684" y="3743661"/>
+            <a:ext cx="831215" cy="455930"/>
           </a:xfrm>
           <a:prstGeom prst="roundRect">
             <a:avLst/>
@@ -10729,7 +10721,7 @@
           <a:p>
             <a:pPr algn="ctr"/>
             <a:r>
-              <a:rPr kumimoji="1" lang="ko-KR" altLang="en-US" dirty="0" err="1" smtClean="0">
+              <a:rPr kumimoji="1" lang="ko-KR" altLang="en-US" sz="1400" dirty="0" err="1" smtClean="0">
                 <a:solidFill>
                   <a:schemeClr val="bg1"/>
                 </a:solidFill>
@@ -10737,7 +10729,7 @@
               <a:t>디퍼드</a:t>
             </a:r>
             <a:r>
-              <a:rPr kumimoji="1" lang="ko-KR" altLang="en-US" dirty="0" smtClean="0">
+              <a:rPr kumimoji="1" lang="ko-KR" altLang="en-US" sz="1400" dirty="0" smtClean="0">
                 <a:solidFill>
                   <a:schemeClr val="bg1"/>
                 </a:solidFill>
@@ -10745,14 +10737,14 @@
               <a:t> </a:t>
             </a:r>
             <a:r>
-              <a:rPr kumimoji="1" lang="ko-KR" altLang="en-US" dirty="0" err="1" smtClean="0">
+              <a:rPr kumimoji="1" lang="ko-KR" altLang="en-US" sz="1400" dirty="0" err="1" smtClean="0">
                 <a:solidFill>
                   <a:schemeClr val="bg1"/>
                 </a:solidFill>
               </a:rPr>
               <a:t>셰이더</a:t>
             </a:r>
-            <a:endParaRPr kumimoji="1" lang="ko-KR" altLang="en-US" dirty="0">
+            <a:endParaRPr kumimoji="1" lang="ko-KR" altLang="en-US" sz="1400" dirty="0">
               <a:solidFill>
                 <a:schemeClr val="bg1"/>
               </a:solidFill>
@@ -10768,8 +10760,8 @@
         </p:nvSpPr>
         <p:spPr>
           <a:xfrm>
-            <a:off x="3956686" y="3743661"/>
-            <a:ext cx="1985009" cy="455930"/>
+            <a:off x="5110480" y="3743661"/>
+            <a:ext cx="831215" cy="455930"/>
           </a:xfrm>
           <a:prstGeom prst="roundRect">
             <a:avLst/>
@@ -10803,22 +10795,30 @@
           <a:p>
             <a:pPr algn="ctr"/>
             <a:r>
-              <a:rPr kumimoji="1" lang="en-US" altLang="ko-KR" dirty="0" smtClean="0">
+              <a:rPr kumimoji="1" lang="en-US" altLang="ko-KR" sz="1400" dirty="0" smtClean="0">
                 <a:solidFill>
                   <a:schemeClr val="bg1"/>
                 </a:solidFill>
               </a:rPr>
               <a:t>MRT </a:t>
             </a:r>
-            <a:r>
-              <a:rPr kumimoji="1" lang="ko-KR" altLang="en-US" dirty="0" smtClean="0">
+            <a:endParaRPr kumimoji="1" lang="en-US" altLang="ko-KR" sz="1400" dirty="0" smtClean="0">
+              <a:solidFill>
+                <a:schemeClr val="bg1"/>
+              </a:solidFill>
+            </a:endParaRPr>
+          </a:p>
+          <a:p>
+            <a:pPr algn="ctr"/>
+            <a:r>
+              <a:rPr kumimoji="1" lang="ko-KR" altLang="en-US" sz="1400" dirty="0" smtClean="0">
                 <a:solidFill>
                   <a:schemeClr val="bg1"/>
                 </a:solidFill>
               </a:rPr>
               <a:t>관리</a:t>
             </a:r>
-            <a:endParaRPr kumimoji="1" lang="ko-KR" altLang="en-US" dirty="0">
+            <a:endParaRPr kumimoji="1" lang="ko-KR" altLang="en-US" sz="1400" dirty="0">
               <a:solidFill>
                 <a:schemeClr val="bg1"/>
               </a:solidFill>
@@ -11279,7 +11279,7 @@
     </p:spTree>
     <p:extLst>
       <p:ext uri="{BB962C8B-B14F-4D97-AF65-F5344CB8AC3E}">
-        <p14:creationId xmlns:p14="http://schemas.microsoft.com/office/powerpoint/2010/main" xmlns="" val="1758201785"/>
+        <p14:creationId xmlns="" xmlns:p14="http://schemas.microsoft.com/office/powerpoint/2010/main" val="1758201785"/>
       </p:ext>
     </p:extLst>
   </p:cSld>
@@ -11287,7 +11287,7 @@
     <a:masterClrMapping/>
   </p:clrMapOvr>
   <mc:AlternateContent xmlns:mc="http://schemas.openxmlformats.org/markup-compatibility/2006">
-    <mc:Choice xmlns:p14="http://schemas.microsoft.com/office/powerpoint/2010/main" xmlns="" Requires="p14">
+    <mc:Choice xmlns="" xmlns:p14="http://schemas.microsoft.com/office/powerpoint/2010/main" Requires="p14">
       <p:transition spd="slow">
         <p:push/>
       </p:transition>
@@ -13078,7 +13078,7 @@
     </p:spTree>
     <p:extLst>
       <p:ext uri="{BB962C8B-B14F-4D97-AF65-F5344CB8AC3E}">
-        <p14:creationId xmlns:p14="http://schemas.microsoft.com/office/powerpoint/2010/main" xmlns="" val="516771458"/>
+        <p14:creationId xmlns="" xmlns:p14="http://schemas.microsoft.com/office/powerpoint/2010/main" val="516771458"/>
       </p:ext>
     </p:extLst>
   </p:cSld>
@@ -13346,7 +13346,7 @@
   <a:extraClrSchemeLst/>
   <a:extLst>
     <a:ext uri="{05A4C25C-085E-4340-85A3-A5531E510DB2}">
-      <thm15:themeFamily xmlns:thm15="http://schemas.microsoft.com/office/thememl/2012/main" xmlns="" name="Office Theme" id="{62F939B6-93AF-4DB8-9C6B-D6C7DFDC589F}" vid="{4A3C46E8-61CC-4603-A589-7422A47A8E4A}"/>
+      <thm15:themeFamily xmlns="" xmlns:thm15="http://schemas.microsoft.com/office/thememl/2012/main" name="Office Theme" id="{62F939B6-93AF-4DB8-9C6B-D6C7DFDC589F}" vid="{4A3C46E8-61CC-4603-A589-7422A47A8E4A}"/>
     </a:ext>
   </a:extLst>
 </a:theme>
@@ -13607,7 +13607,7 @@
   <a:extraClrSchemeLst/>
   <a:extLst>
     <a:ext uri="{05A4C25C-085E-4340-85A3-A5531E510DB2}">
-      <thm15:themeFamily xmlns:thm15="http://schemas.microsoft.com/office/thememl/2012/main" xmlns="" name="Office Theme" id="{62F939B6-93AF-4DB8-9C6B-D6C7DFDC589F}" vid="{4A3C46E8-61CC-4603-A589-7422A47A8E4A}"/>
+      <thm15:themeFamily xmlns="" xmlns:thm15="http://schemas.microsoft.com/office/thememl/2012/main" name="Office Theme" id="{62F939B6-93AF-4DB8-9C6B-D6C7DFDC589F}" vid="{4A3C46E8-61CC-4603-A589-7422A47A8E4A}"/>
     </a:ext>
   </a:extLst>
 </a:theme>
@@ -13868,7 +13868,7 @@
   <a:extraClrSchemeLst/>
   <a:extLst>
     <a:ext uri="{05A4C25C-085E-4340-85A3-A5531E510DB2}">
-      <thm15:themeFamily xmlns:thm15="http://schemas.microsoft.com/office/thememl/2012/main" xmlns="" name="Office Theme" id="{62F939B6-93AF-4DB8-9C6B-D6C7DFDC589F}" vid="{4A3C46E8-61CC-4603-A589-7422A47A8E4A}"/>
+      <thm15:themeFamily xmlns="" xmlns:thm15="http://schemas.microsoft.com/office/thememl/2012/main" name="Office Theme" id="{62F939B6-93AF-4DB8-9C6B-D6C7DFDC589F}" vid="{4A3C46E8-61CC-4603-A589-7422A47A8E4A}"/>
     </a:ext>
   </a:extLst>
 </a:theme>
